--- a/Turkcell_bootcamp_ArdaKozan.pptx
+++ b/Turkcell_bootcamp_ArdaKozan.pptx
@@ -103,13 +103,17 @@
     <p:sldId id="352" r:id="rId97"/>
     <p:sldId id="353" r:id="rId98"/>
     <p:sldId id="354" r:id="rId99"/>
-    <p:sldId id="355" r:id="rId100"/>
-    <p:sldId id="356" r:id="rId101"/>
-    <p:sldId id="357" r:id="rId102"/>
-    <p:sldId id="358" r:id="rId103"/>
-    <p:sldId id="359" r:id="rId104"/>
-    <p:sldId id="360" r:id="rId105"/>
-    <p:sldId id="361" r:id="rId106"/>
+    <p:sldId id="365" r:id="rId100"/>
+    <p:sldId id="355" r:id="rId101"/>
+    <p:sldId id="356" r:id="rId102"/>
+    <p:sldId id="357" r:id="rId103"/>
+    <p:sldId id="358" r:id="rId104"/>
+    <p:sldId id="359" r:id="rId105"/>
+    <p:sldId id="360" r:id="rId106"/>
+    <p:sldId id="361" r:id="rId107"/>
+    <p:sldId id="362" r:id="rId108"/>
+    <p:sldId id="363" r:id="rId109"/>
+    <p:sldId id="364" r:id="rId110"/>
   </p:sldIdLst>
   <p:sldSz cx="12192000" cy="6858000"/>
   <p:notesSz cx="6858000" cy="9144000"/>
@@ -527,6 +531,7 @@
         <p14:section name="11. Soru (Stack Heap memory)" id="{1FFCE589-29CC-4955-AEC3-C0F00FF43A43}">
           <p14:sldIdLst>
             <p14:sldId id="354"/>
+            <p14:sldId id="365"/>
           </p14:sldIdLst>
         </p14:section>
         <p14:section name="12. Soru (ASCII - Unicode)" id="{3881A2CF-3E3E-4F2E-86CD-6A0D7561469D}">
@@ -564,6 +569,24 @@
         <p14:section name="3. Soru (Regex)" id="{4C16DA93-E25B-4685-A36D-49904E399637}">
           <p14:sldIdLst>
             <p14:sldId id="361"/>
+          </p14:sldIdLst>
+        </p14:section>
+        <p14:section name="23 Haziran 2022" id="{0FFEFBD7-4011-43D2-B4AB-7AC5F1138B16}">
+          <p14:sldIdLst/>
+        </p14:section>
+        <p14:section name="1. Soru (Access Modifier)" id="{60B5F850-CBAF-4183-AB41-9551D64C5D1E}">
+          <p14:sldIdLst>
+            <p14:sldId id="362"/>
+          </p14:sldIdLst>
+        </p14:section>
+        <p14:section name="2. Soru (Error types)" id="{8FDE9675-F788-48AC-9CC3-57F3B0F27D98}">
+          <p14:sldIdLst>
+            <p14:sldId id="363"/>
+          </p14:sldIdLst>
+        </p14:section>
+        <p14:section name="3. Soru (Exception Error farkı)" id="{DBB90056-CE67-47EB-B0B7-707E04F7A5BF}">
+          <p14:sldIdLst>
+            <p14:sldId id="364"/>
           </p14:sldIdLst>
         </p14:section>
       </p14:sectionLst>
@@ -738,7 +761,7 @@
           <a:p>
             <a:fld id="{1160EA64-D806-43AC-9DF2-F8C432F32B4C}" type="datetimeFigureOut">
               <a:rPr lang="en-US" dirty="0"/>
-              <a:t>6/22/2022</a:t>
+              <a:t>6/23/2022</a:t>
             </a:fld>
             <a:endParaRPr lang="en-US" dirty="0"/>
           </a:p>
@@ -904,7 +927,7 @@
           <a:p>
             <a:fld id="{E9F9C37B-1D36-470B-8223-D6C91242EC14}" type="datetimeFigureOut">
               <a:rPr lang="en-US" dirty="0"/>
-              <a:t>6/22/2022</a:t>
+              <a:t>6/23/2022</a:t>
             </a:fld>
             <a:endParaRPr lang="en-US" dirty="0"/>
           </a:p>
@@ -1079,7 +1102,7 @@
           <a:p>
             <a:fld id="{67C6F52A-A82B-47A2-A83A-8C4C91F2D59F}" type="datetimeFigureOut">
               <a:rPr lang="en-US" dirty="0"/>
-              <a:t>6/22/2022</a:t>
+              <a:t>6/23/2022</a:t>
             </a:fld>
             <a:endParaRPr lang="en-US" dirty="0"/>
           </a:p>
@@ -1244,7 +1267,7 @@
           <a:p>
             <a:fld id="{F070A7B3-6521-4DCA-87E5-044747A908C1}" type="datetimeFigureOut">
               <a:rPr lang="en-US" dirty="0"/>
-              <a:t>6/22/2022</a:t>
+              <a:t>6/23/2022</a:t>
             </a:fld>
             <a:endParaRPr lang="en-US" dirty="0"/>
           </a:p>
@@ -1508,7 +1531,7 @@
           <a:p>
             <a:fld id="{1160EA64-D806-43AC-9DF2-F8C432F32B4C}" type="datetimeFigureOut">
               <a:rPr lang="en-US" dirty="0"/>
-              <a:t>6/22/2022</a:t>
+              <a:t>6/23/2022</a:t>
             </a:fld>
             <a:endParaRPr lang="en-US" dirty="0"/>
           </a:p>
@@ -1736,7 +1759,7 @@
           <a:p>
             <a:fld id="{AB134690-1557-4C89-A502-4959FE7FAD70}" type="datetimeFigureOut">
               <a:rPr lang="en-US" dirty="0"/>
-              <a:t>6/22/2022</a:t>
+              <a:t>6/23/2022</a:t>
             </a:fld>
             <a:endParaRPr lang="en-US" dirty="0"/>
           </a:p>
@@ -2090,7 +2113,7 @@
           <a:p>
             <a:fld id="{4F7D4976-E339-4826-83B7-FBD03F55ECF8}" type="datetimeFigureOut">
               <a:rPr lang="en-US" dirty="0"/>
-              <a:t>6/22/2022</a:t>
+              <a:t>6/23/2022</a:t>
             </a:fld>
             <a:endParaRPr lang="en-US" dirty="0"/>
           </a:p>
@@ -2226,7 +2249,7 @@
           <a:p>
             <a:fld id="{E1037C31-9E7A-4F99-8774-A0E530DE1A42}" type="datetimeFigureOut">
               <a:rPr lang="en-US" dirty="0"/>
-              <a:t>6/22/2022</a:t>
+              <a:t>6/23/2022</a:t>
             </a:fld>
             <a:endParaRPr lang="en-US" dirty="0"/>
           </a:p>
@@ -2316,7 +2339,7 @@
           <a:p>
             <a:fld id="{C278504F-A551-4DE0-9316-4DCD1D8CC752}" type="datetimeFigureOut">
               <a:rPr lang="en-US" dirty="0"/>
-              <a:t>6/22/2022</a:t>
+              <a:t>6/23/2022</a:t>
             </a:fld>
             <a:endParaRPr lang="en-US" dirty="0"/>
           </a:p>
@@ -2668,7 +2691,7 @@
           <a:p>
             <a:fld id="{D1BE4249-C0D0-4B06-8692-E8BB871AF643}" type="datetimeFigureOut">
               <a:rPr lang="en-US" dirty="0"/>
-              <a:t>6/22/2022</a:t>
+              <a:t>6/23/2022</a:t>
             </a:fld>
             <a:endParaRPr lang="en-US" dirty="0"/>
           </a:p>
@@ -3020,7 +3043,7 @@
           <a:p>
             <a:fld id="{042B0DB6-F5C7-45FB-8CF3-31B45F9C2DAC}" type="datetimeFigureOut">
               <a:rPr lang="en-US" dirty="0"/>
-              <a:t>6/22/2022</a:t>
+              <a:t>6/23/2022</a:t>
             </a:fld>
             <a:endParaRPr lang="en-US" dirty="0"/>
           </a:p>
@@ -3256,7 +3279,7 @@
           <a:p>
             <a:fld id="{1160EA64-D806-43AC-9DF2-F8C432F32B4C}" type="datetimeFigureOut">
               <a:rPr lang="en-US" dirty="0"/>
-              <a:t>6/22/2022</a:t>
+              <a:t>6/23/2022</a:t>
             </a:fld>
             <a:endParaRPr lang="en-US" dirty="0"/>
           </a:p>
@@ -3918,7 +3941,7 @@
           <p:cNvPr id="2" name="Başlık 1">
             <a:extLst>
               <a:ext uri="{FF2B5EF4-FFF2-40B4-BE49-F238E27FC236}">
-                <a16:creationId xmlns:a16="http://schemas.microsoft.com/office/drawing/2014/main" id="{45FCA8C1-1144-9EAA-B49E-1966BC42A953}"/>
+                <a16:creationId xmlns:a16="http://schemas.microsoft.com/office/drawing/2014/main" id="{1A531E97-B51B-EEA9-7F8E-924C42EFC421}"/>
               </a:ext>
             </a:extLst>
           </p:cNvPr>
@@ -3936,7 +3959,7 @@
           <a:p>
             <a:r>
               <a:rPr lang="tr-TR" dirty="0"/>
-              <a:t>UNICODE</a:t>
+              <a:t>ASCII</a:t>
             </a:r>
           </a:p>
         </p:txBody>
@@ -3946,7 +3969,7 @@
           <p:cNvPr id="3" name="İçerik Yer Tutucusu 2">
             <a:extLst>
               <a:ext uri="{FF2B5EF4-FFF2-40B4-BE49-F238E27FC236}">
-                <a16:creationId xmlns:a16="http://schemas.microsoft.com/office/drawing/2014/main" id="{B268533A-9955-2CCD-F9BD-C135360018E4}"/>
+                <a16:creationId xmlns:a16="http://schemas.microsoft.com/office/drawing/2014/main" id="{A7BAE89F-1ABC-E006-CF6C-DB515A927232}"/>
               </a:ext>
             </a:extLst>
           </p:cNvPr>
@@ -3966,16 +3989,36 @@
               <a:buNone/>
             </a:pPr>
             <a:r>
-              <a:rPr lang="tr-TR" dirty="0"/>
-              <a:t>ASCII kümelerinin çok olması karışıklığa neden olmasından dolayı ve Japonca, Çince gibi dillerin harfleri ASCII kümelerine yeterli gelmemesinden dolayı  Unicode </a:t>
-            </a:r>
-            <a:r>
-              <a:rPr lang="tr-TR" dirty="0" err="1"/>
-              <a:t>Consortium</a:t>
-            </a:r>
-            <a:r>
-              <a:rPr lang="tr-TR" dirty="0"/>
-              <a:t> tarafından16 bitlik bir harf kümesi oluşturuldu. Unicode içerisinde sadece harfler değil aynı zamanda eşdeğer karakterler, karakterin bileşenlerine ayrılış bilgileri, sıralama kuralı, büyük-küçük harf bilgisi ve yazılış yönü gibi ek bilgiler de bulunmaktadır.</a:t>
+              <a:rPr lang="tr-TR" dirty="0" err="1"/>
+              <a:t>American</a:t>
+            </a:r>
+            <a:r>
+              <a:rPr lang="tr-TR" dirty="0"/>
+              <a:t> Standart </a:t>
+            </a:r>
+            <a:r>
+              <a:rPr lang="tr-TR" dirty="0" err="1"/>
+              <a:t>Code</a:t>
+            </a:r>
+            <a:r>
+              <a:rPr lang="tr-TR" dirty="0"/>
+              <a:t> </a:t>
+            </a:r>
+            <a:r>
+              <a:rPr lang="tr-TR" dirty="0" err="1"/>
+              <a:t>for</a:t>
+            </a:r>
+            <a:r>
+              <a:rPr lang="tr-TR" dirty="0"/>
+              <a:t> Information </a:t>
+            </a:r>
+            <a:r>
+              <a:rPr lang="tr-TR" dirty="0" err="1"/>
+              <a:t>Interchange</a:t>
+            </a:r>
+            <a:r>
+              <a:rPr lang="tr-TR" dirty="0"/>
+              <a:t> (ASCII), Amerikan İngilizcesi karakterleri için yapılmış 7 bitlik bir karakter kümesidir.  Her bir karakter için 0-127 arası bir değer atanarak harflerin bir değere karşılık gelmesi sağlanıyordu.  ASCII karakter kümesi bir süre kullanıldıktan sonra Avrupa ülkelerindeki Amerikan İngilizcesi dışındaki harfler olduğundan dolayı ASCII kümesi yetersiz gelmekteydi. Bunun için 7 bitlik karakter kümeleri 8 bitlik yapılmıştır. Buna genişletilmiş ASCII denir. Bu şekilde diğer ülkelerin de ASCII karakter kümeleri yapıldı. </a:t>
             </a:r>
           </a:p>
         </p:txBody>
@@ -3983,7 +4026,7 @@
     </p:spTree>
     <p:extLst>
       <p:ext uri="{BB962C8B-B14F-4D97-AF65-F5344CB8AC3E}">
-        <p14:creationId xmlns:p14="http://schemas.microsoft.com/office/powerpoint/2010/main" val="395023284"/>
+        <p14:creationId xmlns:p14="http://schemas.microsoft.com/office/powerpoint/2010/main" val="3265621566"/>
       </p:ext>
     </p:extLst>
   </p:cSld>
@@ -4012,10 +4055,10 @@
       </p:grpSpPr>
       <p:sp>
         <p:nvSpPr>
-          <p:cNvPr id="2" name="Title 1">
-            <a:extLst>
-              <a:ext uri="{FF2B5EF4-FFF2-40B4-BE49-F238E27FC236}">
-                <a16:creationId xmlns:a16="http://schemas.microsoft.com/office/drawing/2014/main" id="{8D632096-1499-498E-80BF-42CBF79AF2CA}"/>
+          <p:cNvPr id="2" name="Başlık 1">
+            <a:extLst>
+              <a:ext uri="{FF2B5EF4-FFF2-40B4-BE49-F238E27FC236}">
+                <a16:creationId xmlns:a16="http://schemas.microsoft.com/office/drawing/2014/main" id="{45FCA8C1-1144-9EAA-B49E-1966BC42A953}"/>
               </a:ext>
             </a:extLst>
           </p:cNvPr>
@@ -4032,22 +4075,18 @@
           <a:lstStyle/>
           <a:p>
             <a:r>
-              <a:rPr lang="tr-TR" dirty="0" err="1"/>
-              <a:t>Scanner.close</a:t>
-            </a:r>
-            <a:r>
-              <a:rPr lang="tr-TR" dirty="0"/>
-              <a:t>()</a:t>
-            </a:r>
-          </a:p>
-        </p:txBody>
-      </p:sp>
-      <p:sp>
-        <p:nvSpPr>
-          <p:cNvPr id="3" name="Content Placeholder 2">
-            <a:extLst>
-              <a:ext uri="{FF2B5EF4-FFF2-40B4-BE49-F238E27FC236}">
-                <a16:creationId xmlns:a16="http://schemas.microsoft.com/office/drawing/2014/main" id="{475146E6-B424-427A-B54D-EB72804EB7A6}"/>
+              <a:rPr lang="tr-TR" dirty="0"/>
+              <a:t>UNICODE</a:t>
+            </a:r>
+          </a:p>
+        </p:txBody>
+      </p:sp>
+      <p:sp>
+        <p:nvSpPr>
+          <p:cNvPr id="3" name="İçerik Yer Tutucusu 2">
+            <a:extLst>
+              <a:ext uri="{FF2B5EF4-FFF2-40B4-BE49-F238E27FC236}">
+                <a16:creationId xmlns:a16="http://schemas.microsoft.com/office/drawing/2014/main" id="{B268533A-9955-2CCD-F9BD-C135360018E4}"/>
               </a:ext>
             </a:extLst>
           </p:cNvPr>
@@ -4068,23 +4107,15 @@
             </a:pPr>
             <a:r>
               <a:rPr lang="tr-TR" dirty="0"/>
-              <a:t>System.in objesi JVM tarafından açıldığı için, parametre olarak System.in objesi alan </a:t>
-            </a:r>
-            <a:r>
-              <a:rPr lang="tr-TR" dirty="0" err="1"/>
-              <a:t>Scanner</a:t>
-            </a:r>
-            <a:r>
-              <a:rPr lang="tr-TR" dirty="0"/>
-              <a:t> objesi kapatıldığında System.in objesi de kapatılmış olur. Bu durum programın akışını bozmaktadır. Bu yüzden </a:t>
-            </a:r>
-            <a:r>
-              <a:rPr lang="tr-TR" dirty="0" err="1"/>
-              <a:t>scanner.close</a:t>
-            </a:r>
-            <a:r>
-              <a:rPr lang="tr-TR" dirty="0"/>
-              <a:t>() metodu kullanılmamalıdır.</a:t>
+              <a:t>ASCII kümelerinin çok olması karışıklığa neden olmasından dolayı ve Japonca, Çince gibi dillerin harfleri ASCII kümelerine yeterli gelmemesinden dolayı  Unicode </a:t>
+            </a:r>
+            <a:r>
+              <a:rPr lang="tr-TR" dirty="0" err="1"/>
+              <a:t>Consortium</a:t>
+            </a:r>
+            <a:r>
+              <a:rPr lang="tr-TR" dirty="0"/>
+              <a:t> tarafından16 bitlik bir harf kümesi oluşturuldu. Unicode içerisinde sadece harfler değil aynı zamanda eşdeğer karakterler, karakterin bileşenlerine ayrılış bilgileri, sıralama kuralı, büyük-küçük harf bilgisi ve yazılış yönü gibi ek bilgiler de bulunmaktadır.</a:t>
             </a:r>
           </a:p>
         </p:txBody>
@@ -4092,7 +4123,7 @@
     </p:spTree>
     <p:extLst>
       <p:ext uri="{BB962C8B-B14F-4D97-AF65-F5344CB8AC3E}">
-        <p14:creationId xmlns:p14="http://schemas.microsoft.com/office/powerpoint/2010/main" val="2767706998"/>
+        <p14:creationId xmlns:p14="http://schemas.microsoft.com/office/powerpoint/2010/main" val="395023284"/>
       </p:ext>
     </p:extLst>
   </p:cSld>
@@ -4124,7 +4155,7 @@
           <p:cNvPr id="2" name="Title 1">
             <a:extLst>
               <a:ext uri="{FF2B5EF4-FFF2-40B4-BE49-F238E27FC236}">
-                <a16:creationId xmlns:a16="http://schemas.microsoft.com/office/drawing/2014/main" id="{870CCD9E-E265-4795-8EDC-AF7B6246321F}"/>
+                <a16:creationId xmlns:a16="http://schemas.microsoft.com/office/drawing/2014/main" id="{8D632096-1499-498E-80BF-42CBF79AF2CA}"/>
               </a:ext>
             </a:extLst>
           </p:cNvPr>
@@ -4142,27 +4173,11 @@
           <a:p>
             <a:r>
               <a:rPr lang="tr-TR" dirty="0" err="1"/>
-              <a:t>Math.random</a:t>
-            </a:r>
-            <a:r>
-              <a:rPr lang="tr-TR" dirty="0"/>
-              <a:t> – </a:t>
-            </a:r>
-            <a:r>
-              <a:rPr lang="tr-TR" dirty="0" err="1"/>
-              <a:t>random</a:t>
-            </a:r>
-            <a:r>
-              <a:rPr lang="tr-TR" dirty="0"/>
-              <a:t> </a:t>
-            </a:r>
-            <a:r>
-              <a:rPr lang="tr-TR" dirty="0" err="1"/>
-              <a:t>class</a:t>
-            </a:r>
-            <a:r>
-              <a:rPr lang="tr-TR" dirty="0"/>
-              <a:t> farkı</a:t>
+              <a:t>Scanner.close</a:t>
+            </a:r>
+            <a:r>
+              <a:rPr lang="tr-TR" dirty="0"/>
+              <a:t>()</a:t>
             </a:r>
           </a:p>
         </p:txBody>
@@ -4172,7 +4187,7 @@
           <p:cNvPr id="3" name="Content Placeholder 2">
             <a:extLst>
               <a:ext uri="{FF2B5EF4-FFF2-40B4-BE49-F238E27FC236}">
-                <a16:creationId xmlns:a16="http://schemas.microsoft.com/office/drawing/2014/main" id="{2C5CDFE6-6620-4052-AF5F-7EDD8E296B2E}"/>
+                <a16:creationId xmlns:a16="http://schemas.microsoft.com/office/drawing/2014/main" id="{475146E6-B424-427A-B54D-EB72804EB7A6}"/>
               </a:ext>
             </a:extLst>
           </p:cNvPr>
@@ -4183,209 +4198,33 @@
             <p:ph idx="1"/>
           </p:nvPr>
         </p:nvSpPr>
-        <p:spPr>
-          <a:xfrm>
-            <a:off x="2231136" y="2638044"/>
-            <a:ext cx="7729728" cy="3894561"/>
-          </a:xfrm>
-        </p:spPr>
-        <p:txBody>
-          <a:bodyPr/>
-          <a:lstStyle/>
-          <a:p>
-            <a:r>
-              <a:rPr lang="tr-TR" dirty="0"/>
-              <a:t>Aslında </a:t>
-            </a:r>
-            <a:r>
-              <a:rPr lang="tr-TR" dirty="0" err="1"/>
-              <a:t>math.random</a:t>
-            </a:r>
-            <a:r>
-              <a:rPr lang="tr-TR" dirty="0"/>
-              <a:t>() metodu </a:t>
-            </a:r>
-            <a:r>
-              <a:rPr lang="tr-TR" dirty="0" err="1"/>
-              <a:t>static</a:t>
-            </a:r>
-            <a:r>
-              <a:rPr lang="tr-TR" dirty="0"/>
-              <a:t> olduğu için direkt kullanılabilir ancak </a:t>
-            </a:r>
-            <a:r>
-              <a:rPr lang="tr-TR" dirty="0" err="1"/>
-              <a:t>random</a:t>
-            </a:r>
-            <a:r>
-              <a:rPr lang="tr-TR" dirty="0"/>
-              <a:t> </a:t>
-            </a:r>
-            <a:r>
-              <a:rPr lang="tr-TR" dirty="0" err="1"/>
-              <a:t>class</a:t>
-            </a:r>
-            <a:r>
-              <a:rPr lang="tr-TR" dirty="0"/>
-              <a:t> aracılığıyla </a:t>
-            </a:r>
-            <a:r>
-              <a:rPr lang="tr-TR" dirty="0" err="1"/>
-              <a:t>random</a:t>
-            </a:r>
-            <a:r>
-              <a:rPr lang="tr-TR" dirty="0"/>
-              <a:t> sayı üretilmesi gerektiğinde </a:t>
-            </a:r>
-            <a:r>
-              <a:rPr lang="tr-TR" dirty="0" err="1"/>
-              <a:t>random</a:t>
-            </a:r>
-            <a:r>
-              <a:rPr lang="tr-TR" dirty="0"/>
-              <a:t> </a:t>
-            </a:r>
-            <a:r>
-              <a:rPr lang="tr-TR" dirty="0" err="1"/>
-              <a:t>class’ın</a:t>
-            </a:r>
-            <a:r>
-              <a:rPr lang="tr-TR" dirty="0"/>
-              <a:t> bir objesi üretilmesi gerekmektedir. Bu durumda birden fazla </a:t>
-            </a:r>
-            <a:r>
-              <a:rPr lang="tr-TR" dirty="0" err="1"/>
-              <a:t>random</a:t>
-            </a:r>
-            <a:r>
-              <a:rPr lang="tr-TR" dirty="0"/>
-              <a:t> sayı üretilmesi gereken yerlerde </a:t>
-            </a:r>
-            <a:r>
-              <a:rPr lang="tr-TR" dirty="0" err="1"/>
-              <a:t>random</a:t>
-            </a:r>
-            <a:r>
-              <a:rPr lang="tr-TR" dirty="0"/>
-              <a:t> </a:t>
-            </a:r>
-            <a:r>
-              <a:rPr lang="tr-TR" dirty="0" err="1"/>
-              <a:t>class’ı</a:t>
-            </a:r>
-            <a:r>
-              <a:rPr lang="tr-TR" dirty="0"/>
-              <a:t> ile </a:t>
-            </a:r>
-            <a:r>
-              <a:rPr lang="tr-TR" dirty="0" err="1"/>
-              <a:t>random</a:t>
-            </a:r>
-            <a:r>
-              <a:rPr lang="tr-TR" dirty="0"/>
-              <a:t> sayı üretme kullanılabilir.</a:t>
-            </a:r>
-          </a:p>
-          <a:p>
-            <a:r>
-              <a:rPr lang="tr-TR" dirty="0" err="1"/>
-              <a:t>Math.random</a:t>
-            </a:r>
-            <a:r>
-              <a:rPr lang="tr-TR" dirty="0"/>
-              <a:t>() metodu da incelendiğinde </a:t>
-            </a:r>
-            <a:r>
-              <a:rPr lang="tr-TR" dirty="0" err="1"/>
-              <a:t>random</a:t>
-            </a:r>
-            <a:r>
-              <a:rPr lang="tr-TR" dirty="0"/>
-              <a:t> </a:t>
-            </a:r>
-            <a:r>
-              <a:rPr lang="tr-TR" dirty="0" err="1"/>
-              <a:t>class’ın</a:t>
-            </a:r>
-            <a:r>
-              <a:rPr lang="tr-TR" dirty="0"/>
-              <a:t> bir metodunu kullandığı görülmektedir.</a:t>
-            </a:r>
-          </a:p>
-          <a:p>
-            <a:r>
-              <a:rPr lang="tr-TR" dirty="0" err="1"/>
-              <a:t>Math.random</a:t>
-            </a:r>
-            <a:r>
-              <a:rPr lang="tr-TR" dirty="0"/>
-              <a:t>() metodu, </a:t>
-            </a:r>
-            <a:r>
-              <a:rPr lang="tr-TR" dirty="0" err="1"/>
-              <a:t>double</a:t>
-            </a:r>
-            <a:r>
-              <a:rPr lang="tr-TR" dirty="0"/>
-              <a:t> tipinde 0.0 ile 1.0 arasında sayı üretir. Bu sayı toplama, çıkarma, çarpma, bölme yaparak istenilen aralığa getirilir. </a:t>
-            </a:r>
-          </a:p>
-          <a:p>
-            <a:r>
-              <a:rPr lang="tr-TR" dirty="0" err="1"/>
-              <a:t>Random</a:t>
-            </a:r>
-            <a:r>
-              <a:rPr lang="tr-TR" dirty="0"/>
-              <a:t> </a:t>
-            </a:r>
-            <a:r>
-              <a:rPr lang="tr-TR" dirty="0" err="1"/>
-              <a:t>class’ı</a:t>
-            </a:r>
-            <a:r>
-              <a:rPr lang="tr-TR" dirty="0"/>
-              <a:t> objesi ise </a:t>
-            </a:r>
-            <a:r>
-              <a:rPr lang="tr-TR" dirty="0" err="1"/>
-              <a:t>boolean</a:t>
-            </a:r>
-            <a:r>
-              <a:rPr lang="tr-TR" dirty="0"/>
-              <a:t>, </a:t>
-            </a:r>
-            <a:r>
-              <a:rPr lang="tr-TR" dirty="0" err="1"/>
-              <a:t>double</a:t>
-            </a:r>
-            <a:r>
-              <a:rPr lang="tr-TR" dirty="0"/>
-              <a:t>, </a:t>
-            </a:r>
-            <a:r>
-              <a:rPr lang="tr-TR" dirty="0" err="1"/>
-              <a:t>float</a:t>
-            </a:r>
-            <a:r>
-              <a:rPr lang="tr-TR" dirty="0"/>
-              <a:t>, </a:t>
-            </a:r>
-            <a:r>
-              <a:rPr lang="tr-TR" dirty="0" err="1"/>
-              <a:t>int</a:t>
-            </a:r>
-            <a:r>
-              <a:rPr lang="tr-TR" dirty="0"/>
-              <a:t>, </a:t>
-            </a:r>
-            <a:r>
-              <a:rPr lang="tr-TR" dirty="0" err="1"/>
-              <a:t>long</a:t>
-            </a:r>
-            <a:r>
-              <a:rPr lang="tr-TR" dirty="0"/>
-              <a:t> tipinde direkt olarak değer üretebilir.</a:t>
+        <p:spPr/>
+        <p:txBody>
+          <a:bodyPr/>
+          <a:lstStyle/>
+          <a:p>
+            <a:pPr marL="0" indent="0">
+              <a:buNone/>
+            </a:pPr>
+            <a:r>
+              <a:rPr lang="tr-TR" dirty="0"/>
+              <a:t>System.in objesi JVM tarafından açıldığı için, parametre olarak System.in objesi alan </a:t>
+            </a:r>
+            <a:r>
+              <a:rPr lang="tr-TR" dirty="0" err="1"/>
+              <a:t>Scanner</a:t>
+            </a:r>
+            <a:r>
+              <a:rPr lang="tr-TR" dirty="0"/>
+              <a:t> objesi kapatıldığında System.in objesi de kapatılmış olur. Bu durum programın akışını bozmaktadır. Bu yüzden </a:t>
+            </a:r>
+            <a:r>
+              <a:rPr lang="tr-TR" dirty="0" err="1"/>
+              <a:t>scanner.close</a:t>
+            </a:r>
+            <a:r>
+              <a:rPr lang="tr-TR" dirty="0"/>
+              <a:t>() metodu kullanılmamalıdır.</a:t>
             </a:r>
           </a:p>
         </p:txBody>
@@ -4393,7 +4232,7 @@
     </p:spTree>
     <p:extLst>
       <p:ext uri="{BB962C8B-B14F-4D97-AF65-F5344CB8AC3E}">
-        <p14:creationId xmlns:p14="http://schemas.microsoft.com/office/powerpoint/2010/main" val="1727337106"/>
+        <p14:creationId xmlns:p14="http://schemas.microsoft.com/office/powerpoint/2010/main" val="2767706998"/>
       </p:ext>
     </p:extLst>
   </p:cSld>
@@ -4425,7 +4264,7 @@
           <p:cNvPr id="2" name="Title 1">
             <a:extLst>
               <a:ext uri="{FF2B5EF4-FFF2-40B4-BE49-F238E27FC236}">
-                <a16:creationId xmlns:a16="http://schemas.microsoft.com/office/drawing/2014/main" id="{0EABADF0-5E89-4BE0-9930-7C65F768265E}"/>
+                <a16:creationId xmlns:a16="http://schemas.microsoft.com/office/drawing/2014/main" id="{870CCD9E-E265-4795-8EDC-AF7B6246321F}"/>
               </a:ext>
             </a:extLst>
           </p:cNvPr>
@@ -4434,12 +4273,60 @@
           </p:cNvSpPr>
           <p:nvPr>
             <p:ph type="title"/>
+          </p:nvPr>
+        </p:nvSpPr>
+        <p:spPr/>
+        <p:txBody>
+          <a:bodyPr/>
+          <a:lstStyle/>
+          <a:p>
+            <a:r>
+              <a:rPr lang="tr-TR" dirty="0" err="1"/>
+              <a:t>Math.random</a:t>
+            </a:r>
+            <a:r>
+              <a:rPr lang="tr-TR" dirty="0"/>
+              <a:t> – </a:t>
+            </a:r>
+            <a:r>
+              <a:rPr lang="tr-TR" dirty="0" err="1"/>
+              <a:t>random</a:t>
+            </a:r>
+            <a:r>
+              <a:rPr lang="tr-TR" dirty="0"/>
+              <a:t> </a:t>
+            </a:r>
+            <a:r>
+              <a:rPr lang="tr-TR" dirty="0" err="1"/>
+              <a:t>class</a:t>
+            </a:r>
+            <a:r>
+              <a:rPr lang="tr-TR" dirty="0"/>
+              <a:t> farkı</a:t>
+            </a:r>
+          </a:p>
+        </p:txBody>
+      </p:sp>
+      <p:sp>
+        <p:nvSpPr>
+          <p:cNvPr id="3" name="Content Placeholder 2">
+            <a:extLst>
+              <a:ext uri="{FF2B5EF4-FFF2-40B4-BE49-F238E27FC236}">
+                <a16:creationId xmlns:a16="http://schemas.microsoft.com/office/drawing/2014/main" id="{2C5CDFE6-6620-4052-AF5F-7EDD8E296B2E}"/>
+              </a:ext>
+            </a:extLst>
+          </p:cNvPr>
+          <p:cNvSpPr>
+            <a:spLocks noGrp="1"/>
+          </p:cNvSpPr>
+          <p:nvPr>
+            <p:ph idx="1"/>
           </p:nvPr>
         </p:nvSpPr>
         <p:spPr>
           <a:xfrm>
-            <a:off x="2231136" y="330376"/>
-            <a:ext cx="7729728" cy="1188720"/>
+            <a:off x="2231136" y="2638044"/>
+            <a:ext cx="7729728" cy="3894561"/>
           </a:xfrm>
         </p:spPr>
         <p:txBody>
@@ -4447,132 +4334,16 @@
           <a:lstStyle/>
           <a:p>
             <a:r>
-              <a:rPr lang="tr-TR" dirty="0" err="1"/>
-              <a:t>Tostrıng</a:t>
-            </a:r>
-            <a:r>
-              <a:rPr lang="tr-TR" dirty="0"/>
-              <a:t>() - </a:t>
-            </a:r>
-            <a:r>
-              <a:rPr lang="tr-TR" dirty="0" err="1"/>
-              <a:t>parseInt</a:t>
-            </a:r>
-            <a:r>
-              <a:rPr lang="tr-TR" dirty="0"/>
-              <a:t>()  </a:t>
-            </a:r>
-            <a:r>
-              <a:rPr lang="tr-TR" dirty="0" err="1"/>
-              <a:t>valueof</a:t>
-            </a:r>
-            <a:r>
-              <a:rPr lang="tr-TR" dirty="0"/>
-              <a:t>()</a:t>
-            </a:r>
-            <a:br>
-              <a:rPr lang="tr-TR" dirty="0"/>
-            </a:br>
-            <a:r>
-              <a:rPr lang="tr-TR" dirty="0"/>
-              <a:t>farkı</a:t>
-            </a:r>
-          </a:p>
-        </p:txBody>
-      </p:sp>
-      <p:sp>
-        <p:nvSpPr>
-          <p:cNvPr id="3" name="Content Placeholder 2">
-            <a:extLst>
-              <a:ext uri="{FF2B5EF4-FFF2-40B4-BE49-F238E27FC236}">
-                <a16:creationId xmlns:a16="http://schemas.microsoft.com/office/drawing/2014/main" id="{665BF9F8-9DD2-4AC9-976B-45FBA41CF102}"/>
-              </a:ext>
-            </a:extLst>
-          </p:cNvPr>
-          <p:cNvSpPr>
-            <a:spLocks noGrp="1"/>
-          </p:cNvSpPr>
-          <p:nvPr>
-            <p:ph idx="1"/>
-          </p:nvPr>
-        </p:nvSpPr>
-        <p:spPr>
-          <a:xfrm>
-            <a:off x="2231136" y="1698928"/>
-            <a:ext cx="7729728" cy="4701872"/>
-          </a:xfrm>
-        </p:spPr>
-        <p:txBody>
-          <a:bodyPr>
-            <a:normAutofit/>
-          </a:bodyPr>
-          <a:lstStyle/>
-          <a:p>
-            <a:r>
-              <a:rPr lang="tr-TR" dirty="0" err="1"/>
-              <a:t>toString</a:t>
-            </a:r>
-            <a:r>
-              <a:rPr lang="tr-TR" dirty="0"/>
-              <a:t>() metodu, başka objelerde bulunan, değişkeni </a:t>
-            </a:r>
-            <a:r>
-              <a:rPr lang="tr-TR" dirty="0" err="1"/>
-              <a:t>string</a:t>
-            </a:r>
-            <a:r>
-              <a:rPr lang="tr-TR" dirty="0"/>
-              <a:t> tipine çevirir. </a:t>
-            </a:r>
-            <a:r>
-              <a:rPr lang="tr-TR" dirty="0" err="1"/>
-              <a:t>toString</a:t>
-            </a:r>
-            <a:r>
-              <a:rPr lang="tr-TR" dirty="0"/>
-              <a:t>() metodu ile </a:t>
-            </a:r>
-            <a:r>
-              <a:rPr lang="tr-TR" dirty="0" err="1"/>
-              <a:t>cast</a:t>
-            </a:r>
-            <a:r>
-              <a:rPr lang="tr-TR" dirty="0"/>
-              <a:t> işlemi yapıldığında parametre olarak gönderilen değişken </a:t>
-            </a:r>
-            <a:r>
-              <a:rPr lang="tr-TR" dirty="0" err="1"/>
-              <a:t>null</a:t>
-            </a:r>
-            <a:r>
-              <a:rPr lang="tr-TR" dirty="0"/>
-              <a:t> ise </a:t>
-            </a:r>
-            <a:r>
-              <a:rPr lang="tr-TR" dirty="0" err="1"/>
-              <a:t>NullPointerException</a:t>
-            </a:r>
-            <a:r>
-              <a:rPr lang="tr-TR" dirty="0"/>
-              <a:t> hatası alınacaktır.</a:t>
-            </a:r>
-          </a:p>
-          <a:p>
-            <a:r>
-              <a:rPr lang="tr-TR" dirty="0" err="1"/>
-              <a:t>String</a:t>
-            </a:r>
-            <a:r>
-              <a:rPr lang="tr-TR" dirty="0"/>
-              <a:t> sınıfa ait olan </a:t>
-            </a:r>
-            <a:r>
-              <a:rPr lang="tr-TR" dirty="0" err="1"/>
-              <a:t>valueOf</a:t>
-            </a:r>
-            <a:r>
-              <a:rPr lang="tr-TR" dirty="0"/>
-              <a:t>() metodu incelendiğinde; </a:t>
+              <a:rPr lang="tr-TR" dirty="0"/>
+              <a:t>Aslında </a:t>
+            </a:r>
+            <a:r>
+              <a:rPr lang="tr-TR" dirty="0" err="1"/>
+              <a:t>math.random</a:t>
+            </a:r>
+            <a:r>
+              <a:rPr lang="tr-TR" dirty="0"/>
+              <a:t>() metodu </a:t>
             </a:r>
             <a:r>
               <a:rPr lang="tr-TR" dirty="0" err="1"/>
@@ -4580,93 +4351,11 @@
             </a:r>
             <a:r>
               <a:rPr lang="tr-TR" dirty="0"/>
-              <a:t> olarak tanımlanmıştır. Metoda parametre olarak gönderilen değişkeni </a:t>
-            </a:r>
-            <a:r>
-              <a:rPr lang="tr-TR" dirty="0" err="1"/>
-              <a:t>string</a:t>
-            </a:r>
-            <a:r>
-              <a:rPr lang="tr-TR" dirty="0"/>
-              <a:t> tipine çevirir. Eğer parametre olarak gönderilen değişken </a:t>
-            </a:r>
-            <a:r>
-              <a:rPr lang="tr-TR" dirty="0" err="1"/>
-              <a:t>null</a:t>
-            </a:r>
-            <a:r>
-              <a:rPr lang="tr-TR" dirty="0"/>
-              <a:t> ise </a:t>
-            </a:r>
-            <a:r>
-              <a:rPr lang="tr-TR" dirty="0" err="1"/>
-              <a:t>string’e</a:t>
-            </a:r>
-            <a:r>
-              <a:rPr lang="tr-TR" dirty="0"/>
-              <a:t> de ‘</a:t>
-            </a:r>
-            <a:r>
-              <a:rPr lang="tr-TR" dirty="0" err="1"/>
-              <a:t>null</a:t>
-            </a:r>
-            <a:r>
-              <a:rPr lang="tr-TR" dirty="0"/>
-              <a:t>’ olarak çevirir.</a:t>
-            </a:r>
-          </a:p>
-          <a:p>
-            <a:r>
-              <a:rPr lang="tr-TR" dirty="0" err="1"/>
-              <a:t>Integer</a:t>
-            </a:r>
-            <a:r>
-              <a:rPr lang="tr-TR" dirty="0"/>
-              <a:t> sınıfına ait olan </a:t>
-            </a:r>
-            <a:r>
-              <a:rPr lang="tr-TR" dirty="0" err="1"/>
-              <a:t>valueOf</a:t>
-            </a:r>
-            <a:r>
-              <a:rPr lang="tr-TR" dirty="0"/>
-              <a:t>() metodu incelendiğinde; </a:t>
-            </a:r>
-            <a:r>
-              <a:rPr lang="tr-TR" dirty="0" err="1"/>
-              <a:t>static</a:t>
-            </a:r>
-            <a:r>
-              <a:rPr lang="tr-TR" dirty="0"/>
-              <a:t> olarak tanımlanmıştır. </a:t>
-            </a:r>
-            <a:r>
-              <a:rPr lang="tr-TR" dirty="0" err="1"/>
-              <a:t>Metode</a:t>
-            </a:r>
-            <a:r>
-              <a:rPr lang="tr-TR" dirty="0"/>
-              <a:t> parametre olarak gönderilen değişkeni </a:t>
-            </a:r>
-            <a:r>
-              <a:rPr lang="tr-TR" dirty="0" err="1"/>
-              <a:t>integer</a:t>
-            </a:r>
-            <a:r>
-              <a:rPr lang="tr-TR" dirty="0"/>
-              <a:t> tipine çevirir. </a:t>
-            </a:r>
-            <a:r>
-              <a:rPr lang="tr-TR" dirty="0" err="1"/>
-              <a:t>Primitive</a:t>
-            </a:r>
-            <a:r>
-              <a:rPr lang="tr-TR" dirty="0"/>
-              <a:t> tip olarak değil </a:t>
-            </a:r>
-            <a:r>
-              <a:rPr lang="tr-TR" dirty="0" err="1"/>
-              <a:t>wrapper</a:t>
+              <a:t> olduğu için direkt kullanılabilir ancak </a:t>
+            </a:r>
+            <a:r>
+              <a:rPr lang="tr-TR" dirty="0" err="1"/>
+              <a:t>random</a:t>
             </a:r>
             <a:r>
               <a:rPr lang="tr-TR" dirty="0"/>
@@ -4678,45 +4367,19 @@
             </a:r>
             <a:r>
               <a:rPr lang="tr-TR" dirty="0"/>
-              <a:t> olarak çevirir. Yani çevrilen değer </a:t>
-            </a:r>
-            <a:r>
-              <a:rPr lang="tr-TR" dirty="0" err="1"/>
-              <a:t>null</a:t>
-            </a:r>
-            <a:r>
-              <a:rPr lang="tr-TR" dirty="0"/>
-              <a:t> değer alabilir.</a:t>
-            </a:r>
-          </a:p>
-          <a:p>
-            <a:r>
-              <a:rPr lang="tr-TR" dirty="0" err="1"/>
-              <a:t>parseInt</a:t>
-            </a:r>
-            <a:r>
-              <a:rPr lang="tr-TR" dirty="0"/>
-              <a:t>() metodu </a:t>
-            </a:r>
-            <a:r>
-              <a:rPr lang="tr-TR" dirty="0" err="1"/>
-              <a:t>Integer</a:t>
-            </a:r>
-            <a:r>
-              <a:rPr lang="tr-TR" dirty="0"/>
-              <a:t> sınıfına aittir. </a:t>
-            </a:r>
-            <a:r>
-              <a:rPr lang="tr-TR" dirty="0" err="1"/>
-              <a:t>Static</a:t>
-            </a:r>
-            <a:r>
-              <a:rPr lang="tr-TR" dirty="0"/>
-              <a:t> olarak kullanılan bu metot </a:t>
-            </a:r>
-            <a:r>
-              <a:rPr lang="tr-TR" dirty="0" err="1"/>
-              <a:t>primitive</a:t>
+              <a:t> aracılığıyla </a:t>
+            </a:r>
+            <a:r>
+              <a:rPr lang="tr-TR" dirty="0" err="1"/>
+              <a:t>random</a:t>
+            </a:r>
+            <a:r>
+              <a:rPr lang="tr-TR" dirty="0"/>
+              <a:t> sayı üretilmesi gerektiğinde </a:t>
+            </a:r>
+            <a:r>
+              <a:rPr lang="tr-TR" dirty="0" err="1"/>
+              <a:t>random</a:t>
             </a:r>
             <a:r>
               <a:rPr lang="tr-TR" dirty="0"/>
@@ -4724,19 +4387,145 @@
             </a:r>
             <a:r>
               <a:rPr lang="tr-TR" dirty="0" err="1"/>
-              <a:t>tip’e</a:t>
-            </a:r>
-            <a:r>
-              <a:rPr lang="tr-TR" dirty="0"/>
-              <a:t> dönüştürür. Yani dönüştürülen değer </a:t>
-            </a:r>
-            <a:r>
-              <a:rPr lang="tr-TR" dirty="0" err="1"/>
-              <a:t>null</a:t>
-            </a:r>
-            <a:r>
-              <a:rPr lang="tr-TR" dirty="0"/>
-              <a:t> olamaz.</a:t>
+              <a:t>class’ın</a:t>
+            </a:r>
+            <a:r>
+              <a:rPr lang="tr-TR" dirty="0"/>
+              <a:t> bir objesi üretilmesi gerekmektedir. Bu durumda birden fazla </a:t>
+            </a:r>
+            <a:r>
+              <a:rPr lang="tr-TR" dirty="0" err="1"/>
+              <a:t>random</a:t>
+            </a:r>
+            <a:r>
+              <a:rPr lang="tr-TR" dirty="0"/>
+              <a:t> sayı üretilmesi gereken yerlerde </a:t>
+            </a:r>
+            <a:r>
+              <a:rPr lang="tr-TR" dirty="0" err="1"/>
+              <a:t>random</a:t>
+            </a:r>
+            <a:r>
+              <a:rPr lang="tr-TR" dirty="0"/>
+              <a:t> </a:t>
+            </a:r>
+            <a:r>
+              <a:rPr lang="tr-TR" dirty="0" err="1"/>
+              <a:t>class’ı</a:t>
+            </a:r>
+            <a:r>
+              <a:rPr lang="tr-TR" dirty="0"/>
+              <a:t> ile </a:t>
+            </a:r>
+            <a:r>
+              <a:rPr lang="tr-TR" dirty="0" err="1"/>
+              <a:t>random</a:t>
+            </a:r>
+            <a:r>
+              <a:rPr lang="tr-TR" dirty="0"/>
+              <a:t> sayı üretme kullanılabilir.</a:t>
+            </a:r>
+          </a:p>
+          <a:p>
+            <a:r>
+              <a:rPr lang="tr-TR" dirty="0" err="1"/>
+              <a:t>Math.random</a:t>
+            </a:r>
+            <a:r>
+              <a:rPr lang="tr-TR" dirty="0"/>
+              <a:t>() metodu da incelendiğinde </a:t>
+            </a:r>
+            <a:r>
+              <a:rPr lang="tr-TR" dirty="0" err="1"/>
+              <a:t>random</a:t>
+            </a:r>
+            <a:r>
+              <a:rPr lang="tr-TR" dirty="0"/>
+              <a:t> </a:t>
+            </a:r>
+            <a:r>
+              <a:rPr lang="tr-TR" dirty="0" err="1"/>
+              <a:t>class’ın</a:t>
+            </a:r>
+            <a:r>
+              <a:rPr lang="tr-TR" dirty="0"/>
+              <a:t> bir metodunu kullandığı görülmektedir.</a:t>
+            </a:r>
+          </a:p>
+          <a:p>
+            <a:r>
+              <a:rPr lang="tr-TR" dirty="0" err="1"/>
+              <a:t>Math.random</a:t>
+            </a:r>
+            <a:r>
+              <a:rPr lang="tr-TR" dirty="0"/>
+              <a:t>() metodu, </a:t>
+            </a:r>
+            <a:r>
+              <a:rPr lang="tr-TR" dirty="0" err="1"/>
+              <a:t>double</a:t>
+            </a:r>
+            <a:r>
+              <a:rPr lang="tr-TR" dirty="0"/>
+              <a:t> tipinde 0.0 ile 1.0 arasında sayı üretir. Bu sayı toplama, çıkarma, çarpma, bölme yaparak istenilen aralığa getirilir. </a:t>
+            </a:r>
+          </a:p>
+          <a:p>
+            <a:r>
+              <a:rPr lang="tr-TR" dirty="0" err="1"/>
+              <a:t>Random</a:t>
+            </a:r>
+            <a:r>
+              <a:rPr lang="tr-TR" dirty="0"/>
+              <a:t> </a:t>
+            </a:r>
+            <a:r>
+              <a:rPr lang="tr-TR" dirty="0" err="1"/>
+              <a:t>class’ı</a:t>
+            </a:r>
+            <a:r>
+              <a:rPr lang="tr-TR" dirty="0"/>
+              <a:t> objesi ise </a:t>
+            </a:r>
+            <a:r>
+              <a:rPr lang="tr-TR" dirty="0" err="1"/>
+              <a:t>boolean</a:t>
+            </a:r>
+            <a:r>
+              <a:rPr lang="tr-TR" dirty="0"/>
+              <a:t>, </a:t>
+            </a:r>
+            <a:r>
+              <a:rPr lang="tr-TR" dirty="0" err="1"/>
+              <a:t>double</a:t>
+            </a:r>
+            <a:r>
+              <a:rPr lang="tr-TR" dirty="0"/>
+              <a:t>, </a:t>
+            </a:r>
+            <a:r>
+              <a:rPr lang="tr-TR" dirty="0" err="1"/>
+              <a:t>float</a:t>
+            </a:r>
+            <a:r>
+              <a:rPr lang="tr-TR" dirty="0"/>
+              <a:t>, </a:t>
+            </a:r>
+            <a:r>
+              <a:rPr lang="tr-TR" dirty="0" err="1"/>
+              <a:t>int</a:t>
+            </a:r>
+            <a:r>
+              <a:rPr lang="tr-TR" dirty="0"/>
+              <a:t>, </a:t>
+            </a:r>
+            <a:r>
+              <a:rPr lang="tr-TR" dirty="0" err="1"/>
+              <a:t>long</a:t>
+            </a:r>
+            <a:r>
+              <a:rPr lang="tr-TR" dirty="0"/>
+              <a:t> tipinde direkt olarak değer üretebilir.</a:t>
             </a:r>
           </a:p>
         </p:txBody>
@@ -4744,7 +4533,7 @@
     </p:spTree>
     <p:extLst>
       <p:ext uri="{BB962C8B-B14F-4D97-AF65-F5344CB8AC3E}">
-        <p14:creationId xmlns:p14="http://schemas.microsoft.com/office/powerpoint/2010/main" val="2992453698"/>
+        <p14:creationId xmlns:p14="http://schemas.microsoft.com/office/powerpoint/2010/main" val="1727337106"/>
       </p:ext>
     </p:extLst>
   </p:cSld>
@@ -4776,7 +4565,7 @@
           <p:cNvPr id="2" name="Title 1">
             <a:extLst>
               <a:ext uri="{FF2B5EF4-FFF2-40B4-BE49-F238E27FC236}">
-                <a16:creationId xmlns:a16="http://schemas.microsoft.com/office/drawing/2014/main" id="{9DC39A6E-AFDD-4656-80D8-5FDB2A7C29F1}"/>
+                <a16:creationId xmlns:a16="http://schemas.microsoft.com/office/drawing/2014/main" id="{0EABADF0-5E89-4BE0-9930-7C65F768265E}"/>
               </a:ext>
             </a:extLst>
           </p:cNvPr>
@@ -4789,7 +4578,7 @@
         </p:nvSpPr>
         <p:spPr>
           <a:xfrm>
-            <a:off x="2231136" y="363326"/>
+            <a:off x="2231136" y="330376"/>
             <a:ext cx="7729728" cy="1188720"/>
           </a:xfrm>
         </p:spPr>
@@ -4798,12 +4587,8 @@
           <a:lstStyle/>
           <a:p>
             <a:r>
-              <a:rPr lang="tr-TR" dirty="0"/>
-              <a:t>‘+’ - </a:t>
-            </a:r>
-            <a:r>
-              <a:rPr lang="tr-TR" dirty="0" err="1"/>
-              <a:t>concat</a:t>
+              <a:rPr lang="tr-TR" dirty="0" err="1"/>
+              <a:t>Tostrıng</a:t>
             </a:r>
             <a:r>
               <a:rPr lang="tr-TR" dirty="0"/>
@@ -4811,19 +4596,26 @@
             </a:r>
             <a:r>
               <a:rPr lang="tr-TR" dirty="0" err="1"/>
-              <a:t>strıngbuılder</a:t>
-            </a:r>
-            <a:r>
-              <a:rPr lang="tr-TR" dirty="0"/>
-              <a:t> – </a:t>
-            </a:r>
-            <a:r>
-              <a:rPr lang="tr-TR" dirty="0" err="1"/>
-              <a:t>strıngbuffer</a:t>
-            </a:r>
-            <a:r>
-              <a:rPr lang="tr-TR" dirty="0"/>
-              <a:t> farkı</a:t>
+              <a:t>parseInt</a:t>
+            </a:r>
+            <a:r>
+              <a:rPr lang="tr-TR" dirty="0"/>
+              <a:t>()  </a:t>
+            </a:r>
+            <a:r>
+              <a:rPr lang="tr-TR" dirty="0" err="1"/>
+              <a:t>valueof</a:t>
+            </a:r>
+            <a:r>
+              <a:rPr lang="tr-TR" dirty="0"/>
+              <a:t>()</a:t>
+            </a:r>
+            <a:br>
+              <a:rPr lang="tr-TR" dirty="0"/>
+            </a:br>
+            <a:r>
+              <a:rPr lang="tr-TR" dirty="0"/>
+              <a:t>farkı</a:t>
             </a:r>
           </a:p>
         </p:txBody>
@@ -4833,7 +4625,7 @@
           <p:cNvPr id="3" name="Content Placeholder 2">
             <a:extLst>
               <a:ext uri="{FF2B5EF4-FFF2-40B4-BE49-F238E27FC236}">
-                <a16:creationId xmlns:a16="http://schemas.microsoft.com/office/drawing/2014/main" id="{6C4282D8-8FB1-43D1-92D8-B824956A7369}"/>
+                <a16:creationId xmlns:a16="http://schemas.microsoft.com/office/drawing/2014/main" id="{665BF9F8-9DD2-4AC9-976B-45FBA41CF102}"/>
               </a:ext>
             </a:extLst>
           </p:cNvPr>
@@ -4846,31 +4638,97 @@
         </p:nvSpPr>
         <p:spPr>
           <a:xfrm>
-            <a:off x="2231136" y="1847209"/>
-            <a:ext cx="7729728" cy="4726586"/>
+            <a:off x="2231136" y="1698928"/>
+            <a:ext cx="7729728" cy="4701872"/>
           </a:xfrm>
         </p:spPr>
         <p:txBody>
           <a:bodyPr>
-            <a:normAutofit fontScale="92500"/>
+            <a:normAutofit/>
           </a:bodyPr>
           <a:lstStyle/>
           <a:p>
             <a:r>
               <a:rPr lang="tr-TR" dirty="0" err="1"/>
+              <a:t>toString</a:t>
+            </a:r>
+            <a:r>
+              <a:rPr lang="tr-TR" dirty="0"/>
+              <a:t>() metodu, başka objelerde bulunan, değişkeni </a:t>
+            </a:r>
+            <a:r>
+              <a:rPr lang="tr-TR" dirty="0" err="1"/>
+              <a:t>string</a:t>
+            </a:r>
+            <a:r>
+              <a:rPr lang="tr-TR" dirty="0"/>
+              <a:t> tipine çevirir. </a:t>
+            </a:r>
+            <a:r>
+              <a:rPr lang="tr-TR" dirty="0" err="1"/>
+              <a:t>toString</a:t>
+            </a:r>
+            <a:r>
+              <a:rPr lang="tr-TR" dirty="0"/>
+              <a:t>() metodu ile </a:t>
+            </a:r>
+            <a:r>
+              <a:rPr lang="tr-TR" dirty="0" err="1"/>
+              <a:t>cast</a:t>
+            </a:r>
+            <a:r>
+              <a:rPr lang="tr-TR" dirty="0"/>
+              <a:t> işlemi yapıldığında parametre olarak gönderilen değişken </a:t>
+            </a:r>
+            <a:r>
+              <a:rPr lang="tr-TR" dirty="0" err="1"/>
+              <a:t>null</a:t>
+            </a:r>
+            <a:r>
+              <a:rPr lang="tr-TR" dirty="0"/>
+              <a:t> ise </a:t>
+            </a:r>
+            <a:r>
+              <a:rPr lang="tr-TR" dirty="0" err="1"/>
+              <a:t>NullPointerException</a:t>
+            </a:r>
+            <a:r>
+              <a:rPr lang="tr-TR" dirty="0"/>
+              <a:t> hatası alınacaktır.</a:t>
+            </a:r>
+          </a:p>
+          <a:p>
+            <a:r>
+              <a:rPr lang="tr-TR" dirty="0" err="1"/>
               <a:t>String</a:t>
             </a:r>
             <a:r>
               <a:rPr lang="tr-TR" dirty="0"/>
-              <a:t> tipi değişkenler + operatörü kullanıldığında başka değişken tiplerini de ekstra </a:t>
-            </a:r>
-            <a:r>
-              <a:rPr lang="tr-TR" dirty="0" err="1"/>
-              <a:t>cast</a:t>
-            </a:r>
-            <a:r>
-              <a:rPr lang="tr-TR" dirty="0"/>
-              <a:t> işlemi yapmadan eklenebilir, eğer </a:t>
+              <a:t> sınıfa ait olan </a:t>
+            </a:r>
+            <a:r>
+              <a:rPr lang="tr-TR" dirty="0" err="1"/>
+              <a:t>valueOf</a:t>
+            </a:r>
+            <a:r>
+              <a:rPr lang="tr-TR" dirty="0"/>
+              <a:t>() metodu incelendiğinde; </a:t>
+            </a:r>
+            <a:r>
+              <a:rPr lang="tr-TR" dirty="0" err="1"/>
+              <a:t>static</a:t>
+            </a:r>
+            <a:r>
+              <a:rPr lang="tr-TR" dirty="0"/>
+              <a:t> olarak tanımlanmıştır. Metoda parametre olarak gönderilen değişkeni </a:t>
+            </a:r>
+            <a:r>
+              <a:rPr lang="tr-TR" dirty="0" err="1"/>
+              <a:t>string</a:t>
+            </a:r>
+            <a:r>
+              <a:rPr lang="tr-TR" dirty="0"/>
+              <a:t> tipine çevirir. Eğer parametre olarak gönderilen değişken </a:t>
             </a:r>
             <a:r>
               <a:rPr lang="tr-TR" dirty="0" err="1"/>
@@ -4878,153 +4736,77 @@
             </a:r>
             <a:r>
               <a:rPr lang="tr-TR" dirty="0"/>
-              <a:t> bir değer eklenirse herhangi bir hata vermeden atama yapmaz, işlem devam eder. Aynı anda birden fazla </a:t>
-            </a:r>
-            <a:r>
-              <a:rPr lang="tr-TR" dirty="0" err="1"/>
-              <a:t>stringi</a:t>
-            </a:r>
-            <a:r>
-              <a:rPr lang="tr-TR" dirty="0"/>
-              <a:t> birleştirebilir. + operatörü ile birleştirme yapılırken yeniden bir </a:t>
-            </a:r>
-            <a:r>
-              <a:rPr lang="tr-TR" dirty="0" err="1"/>
-              <a:t>string</a:t>
-            </a:r>
-            <a:r>
-              <a:rPr lang="tr-TR" dirty="0"/>
-              <a:t> nesnesi yaratılıp toplanan </a:t>
-            </a:r>
-            <a:r>
-              <a:rPr lang="tr-TR" dirty="0" err="1"/>
-              <a:t>stringler</a:t>
-            </a:r>
-            <a:r>
-              <a:rPr lang="tr-TR" dirty="0"/>
-              <a:t> yeni </a:t>
-            </a:r>
-            <a:r>
-              <a:rPr lang="tr-TR" dirty="0" err="1"/>
-              <a:t>string</a:t>
-            </a:r>
-            <a:r>
-              <a:rPr lang="tr-TR" dirty="0"/>
-              <a:t> nesnesine atanır.</a:t>
-            </a:r>
-          </a:p>
-          <a:p>
-            <a:r>
-              <a:rPr lang="tr-TR" dirty="0" err="1"/>
-              <a:t>String</a:t>
-            </a:r>
-            <a:r>
-              <a:rPr lang="tr-TR" dirty="0"/>
-              <a:t> sınıfında bulunan </a:t>
-            </a:r>
-            <a:r>
-              <a:rPr lang="tr-TR" dirty="0" err="1"/>
-              <a:t>concat</a:t>
-            </a:r>
-            <a:r>
-              <a:rPr lang="tr-TR" dirty="0"/>
-              <a:t>() metodu aynı anda tek bir parametre alabilir. Başka değişken tiplerinden parametre alırsa ekstra olarak </a:t>
-            </a:r>
-            <a:r>
-              <a:rPr lang="tr-TR" dirty="0" err="1"/>
-              <a:t>cast</a:t>
-            </a:r>
-            <a:r>
-              <a:rPr lang="tr-TR" dirty="0"/>
-              <a:t> işlemi yapılması gerekmektedir aksi taktirde hata fırlatır. </a:t>
-            </a:r>
-            <a:r>
-              <a:rPr lang="tr-TR" dirty="0" err="1"/>
-              <a:t>Null</a:t>
-            </a:r>
-            <a:r>
-              <a:rPr lang="tr-TR" dirty="0"/>
-              <a:t> bir değer parametre olarak gönderilemez. Eğer iki </a:t>
-            </a:r>
-            <a:r>
-              <a:rPr lang="tr-TR" dirty="0" err="1"/>
-              <a:t>stringin</a:t>
-            </a:r>
-            <a:r>
-              <a:rPr lang="tr-TR" dirty="0"/>
-              <a:t> birleştirilmiş uzunluğu birleştirilen her iki </a:t>
-            </a:r>
-            <a:r>
-              <a:rPr lang="tr-TR" dirty="0" err="1"/>
-              <a:t>stringden</a:t>
-            </a:r>
-            <a:r>
-              <a:rPr lang="tr-TR" dirty="0"/>
-              <a:t> küçükse aynı nesneyi döndürür. Aksi taktirde yeni bir nesneyi geri döndürür.</a:t>
-            </a:r>
-          </a:p>
-          <a:p>
-            <a:r>
-              <a:rPr lang="tr-TR" dirty="0" err="1"/>
-              <a:t>StringBuffer</a:t>
-            </a:r>
-            <a:r>
-              <a:rPr lang="tr-TR" dirty="0"/>
-              <a:t> ve </a:t>
-            </a:r>
-            <a:r>
-              <a:rPr lang="tr-TR" dirty="0" err="1"/>
-              <a:t>StringBuilder</a:t>
-            </a:r>
-            <a:r>
-              <a:rPr lang="tr-TR" dirty="0"/>
-              <a:t> sınıfları </a:t>
-            </a:r>
-            <a:r>
-              <a:rPr lang="tr-TR" dirty="0" err="1"/>
-              <a:t>String</a:t>
-            </a:r>
-            <a:r>
-              <a:rPr lang="tr-TR" dirty="0"/>
-              <a:t> sınıfının </a:t>
-            </a:r>
-            <a:r>
-              <a:rPr lang="tr-TR" dirty="0" err="1"/>
-              <a:t>immutable</a:t>
-            </a:r>
-            <a:r>
-              <a:rPr lang="tr-TR" dirty="0"/>
-              <a:t> (değiştirilemez) olmasından dolayı hafıza kullanımını azaltmak için ortaya çıkmıştır.  Her iki sınıfta değiştirilebilir yani her seferinde </a:t>
-            </a:r>
-            <a:r>
-              <a:rPr lang="tr-TR" dirty="0" err="1"/>
-              <a:t>String</a:t>
-            </a:r>
-            <a:r>
-              <a:rPr lang="tr-TR" dirty="0"/>
-              <a:t> nesnesi gibi yeniden bir nesne yaratılmaz.</a:t>
-            </a:r>
-          </a:p>
-          <a:p>
-            <a:r>
-              <a:rPr lang="tr-TR" dirty="0" err="1"/>
-              <a:t>StringBuffer</a:t>
-            </a:r>
-            <a:r>
-              <a:rPr lang="tr-TR" dirty="0"/>
-              <a:t> ve </a:t>
-            </a:r>
-            <a:r>
-              <a:rPr lang="tr-TR" dirty="0" err="1"/>
-              <a:t>StringBuilder</a:t>
-            </a:r>
-            <a:r>
-              <a:rPr lang="tr-TR" dirty="0"/>
-              <a:t> sınıfları arasındaki fark ise </a:t>
-            </a:r>
-            <a:r>
-              <a:rPr lang="tr-TR" dirty="0" err="1"/>
-              <a:t>StringBuffer’ın</a:t>
+              <a:t> ise </a:t>
+            </a:r>
+            <a:r>
+              <a:rPr lang="tr-TR" dirty="0" err="1"/>
+              <a:t>string’e</a:t>
+            </a:r>
+            <a:r>
+              <a:rPr lang="tr-TR" dirty="0"/>
+              <a:t> de ‘</a:t>
+            </a:r>
+            <a:r>
+              <a:rPr lang="tr-TR" dirty="0" err="1"/>
+              <a:t>null</a:t>
+            </a:r>
+            <a:r>
+              <a:rPr lang="tr-TR" dirty="0"/>
+              <a:t>’ olarak çevirir.</a:t>
+            </a:r>
+          </a:p>
+          <a:p>
+            <a:r>
+              <a:rPr lang="tr-TR" dirty="0" err="1"/>
+              <a:t>Integer</a:t>
+            </a:r>
+            <a:r>
+              <a:rPr lang="tr-TR" dirty="0"/>
+              <a:t> sınıfına ait olan </a:t>
+            </a:r>
+            <a:r>
+              <a:rPr lang="tr-TR" dirty="0" err="1"/>
+              <a:t>valueOf</a:t>
+            </a:r>
+            <a:r>
+              <a:rPr lang="tr-TR" dirty="0"/>
+              <a:t>() metodu incelendiğinde; </a:t>
+            </a:r>
+            <a:r>
+              <a:rPr lang="tr-TR" dirty="0" err="1"/>
+              <a:t>static</a:t>
+            </a:r>
+            <a:r>
+              <a:rPr lang="tr-TR" dirty="0"/>
+              <a:t> olarak tanımlanmıştır. </a:t>
+            </a:r>
+            <a:r>
+              <a:rPr lang="tr-TR" dirty="0" err="1"/>
+              <a:t>Metode</a:t>
+            </a:r>
+            <a:r>
+              <a:rPr lang="tr-TR" dirty="0"/>
+              <a:t> parametre olarak gönderilen değişkeni </a:t>
+            </a:r>
+            <a:r>
+              <a:rPr lang="tr-TR" dirty="0" err="1"/>
+              <a:t>integer</a:t>
+            </a:r>
+            <a:r>
+              <a:rPr lang="tr-TR" dirty="0"/>
+              <a:t> tipine çevirir. </a:t>
+            </a:r>
+            <a:r>
+              <a:rPr lang="tr-TR" dirty="0" err="1"/>
+              <a:t>Primitive</a:t>
+            </a:r>
+            <a:r>
+              <a:rPr lang="tr-TR" dirty="0"/>
+              <a:t> tip olarak değil </a:t>
+            </a:r>
+            <a:r>
+              <a:rPr lang="tr-TR" dirty="0" err="1"/>
+              <a:t>wrapper</a:t>
             </a:r>
             <a:r>
               <a:rPr lang="tr-TR" dirty="0"/>
@@ -5032,43 +4814,69 @@
             </a:r>
             <a:r>
               <a:rPr lang="tr-TR" dirty="0" err="1"/>
-              <a:t>thread-safe</a:t>
-            </a:r>
-            <a:r>
-              <a:rPr lang="tr-TR" dirty="0"/>
-              <a:t> yapıya sahip olmasıdır. </a:t>
-            </a:r>
-            <a:r>
-              <a:rPr lang="tr-TR" dirty="0" err="1"/>
-              <a:t>StringBuilder</a:t>
-            </a:r>
-            <a:r>
-              <a:rPr lang="tr-TR" dirty="0"/>
-              <a:t> sınıfı ise </a:t>
-            </a:r>
-            <a:r>
-              <a:rPr lang="tr-TR" dirty="0" err="1"/>
-              <a:t>thread-safe</a:t>
-            </a:r>
-            <a:r>
-              <a:rPr lang="tr-TR" dirty="0"/>
-              <a:t> değildir. Bundan dolayı </a:t>
-            </a:r>
-            <a:r>
-              <a:rPr lang="tr-TR" dirty="0" err="1"/>
-              <a:t>StringBuilder</a:t>
-            </a:r>
-            <a:r>
-              <a:rPr lang="tr-TR" dirty="0"/>
-              <a:t>, </a:t>
-            </a:r>
-            <a:r>
-              <a:rPr lang="tr-TR" dirty="0" err="1"/>
-              <a:t>StringBuffer’a</a:t>
-            </a:r>
-            <a:r>
-              <a:rPr lang="tr-TR" dirty="0"/>
-              <a:t> göre daha hızlı çalışmaktadır.</a:t>
+              <a:t>class</a:t>
+            </a:r>
+            <a:r>
+              <a:rPr lang="tr-TR" dirty="0"/>
+              <a:t> olarak çevirir. Yani çevrilen değer </a:t>
+            </a:r>
+            <a:r>
+              <a:rPr lang="tr-TR" dirty="0" err="1"/>
+              <a:t>null</a:t>
+            </a:r>
+            <a:r>
+              <a:rPr lang="tr-TR" dirty="0"/>
+              <a:t> değer alabilir.</a:t>
+            </a:r>
+          </a:p>
+          <a:p>
+            <a:r>
+              <a:rPr lang="tr-TR" dirty="0" err="1"/>
+              <a:t>parseInt</a:t>
+            </a:r>
+            <a:r>
+              <a:rPr lang="tr-TR" dirty="0"/>
+              <a:t>() metodu </a:t>
+            </a:r>
+            <a:r>
+              <a:rPr lang="tr-TR" dirty="0" err="1"/>
+              <a:t>Integer</a:t>
+            </a:r>
+            <a:r>
+              <a:rPr lang="tr-TR" dirty="0"/>
+              <a:t> sınıfına aittir. </a:t>
+            </a:r>
+            <a:r>
+              <a:rPr lang="tr-TR" dirty="0" err="1"/>
+              <a:t>Static</a:t>
+            </a:r>
+            <a:r>
+              <a:rPr lang="tr-TR" dirty="0"/>
+              <a:t> olarak kullanılan bu metot </a:t>
+            </a:r>
+            <a:r>
+              <a:rPr lang="tr-TR" dirty="0" err="1"/>
+              <a:t>primitive</a:t>
+            </a:r>
+            <a:r>
+              <a:rPr lang="tr-TR" dirty="0"/>
+              <a:t> </a:t>
+            </a:r>
+            <a:r>
+              <a:rPr lang="tr-TR" dirty="0" err="1"/>
+              <a:t>tip’e</a:t>
+            </a:r>
+            <a:r>
+              <a:rPr lang="tr-TR" dirty="0"/>
+              <a:t> dönüştürür. Yani dönüştürülen değer </a:t>
+            </a:r>
+            <a:r>
+              <a:rPr lang="tr-TR" dirty="0" err="1"/>
+              <a:t>null</a:t>
+            </a:r>
+            <a:r>
+              <a:rPr lang="tr-TR" dirty="0"/>
+              <a:t> olamaz.</a:t>
             </a:r>
           </a:p>
         </p:txBody>
@@ -5076,7 +4884,7 @@
     </p:spTree>
     <p:extLst>
       <p:ext uri="{BB962C8B-B14F-4D97-AF65-F5344CB8AC3E}">
-        <p14:creationId xmlns:p14="http://schemas.microsoft.com/office/powerpoint/2010/main" val="257986660"/>
+        <p14:creationId xmlns:p14="http://schemas.microsoft.com/office/powerpoint/2010/main" val="2992453698"/>
       </p:ext>
     </p:extLst>
   </p:cSld>
@@ -5108,6 +4916,338 @@
           <p:cNvPr id="2" name="Title 1">
             <a:extLst>
               <a:ext uri="{FF2B5EF4-FFF2-40B4-BE49-F238E27FC236}">
+                <a16:creationId xmlns:a16="http://schemas.microsoft.com/office/drawing/2014/main" id="{9DC39A6E-AFDD-4656-80D8-5FDB2A7C29F1}"/>
+              </a:ext>
+            </a:extLst>
+          </p:cNvPr>
+          <p:cNvSpPr>
+            <a:spLocks noGrp="1"/>
+          </p:cNvSpPr>
+          <p:nvPr>
+            <p:ph type="title"/>
+          </p:nvPr>
+        </p:nvSpPr>
+        <p:spPr>
+          <a:xfrm>
+            <a:off x="2231136" y="363326"/>
+            <a:ext cx="7729728" cy="1188720"/>
+          </a:xfrm>
+        </p:spPr>
+        <p:txBody>
+          <a:bodyPr/>
+          <a:lstStyle/>
+          <a:p>
+            <a:r>
+              <a:rPr lang="tr-TR" dirty="0"/>
+              <a:t>‘+’ - </a:t>
+            </a:r>
+            <a:r>
+              <a:rPr lang="tr-TR" dirty="0" err="1"/>
+              <a:t>concat</a:t>
+            </a:r>
+            <a:r>
+              <a:rPr lang="tr-TR" dirty="0"/>
+              <a:t>() - </a:t>
+            </a:r>
+            <a:r>
+              <a:rPr lang="tr-TR" dirty="0" err="1"/>
+              <a:t>strıngbuılder</a:t>
+            </a:r>
+            <a:r>
+              <a:rPr lang="tr-TR" dirty="0"/>
+              <a:t> – </a:t>
+            </a:r>
+            <a:r>
+              <a:rPr lang="tr-TR" dirty="0" err="1"/>
+              <a:t>strıngbuffer</a:t>
+            </a:r>
+            <a:r>
+              <a:rPr lang="tr-TR" dirty="0"/>
+              <a:t> farkı</a:t>
+            </a:r>
+          </a:p>
+        </p:txBody>
+      </p:sp>
+      <p:sp>
+        <p:nvSpPr>
+          <p:cNvPr id="3" name="Content Placeholder 2">
+            <a:extLst>
+              <a:ext uri="{FF2B5EF4-FFF2-40B4-BE49-F238E27FC236}">
+                <a16:creationId xmlns:a16="http://schemas.microsoft.com/office/drawing/2014/main" id="{6C4282D8-8FB1-43D1-92D8-B824956A7369}"/>
+              </a:ext>
+            </a:extLst>
+          </p:cNvPr>
+          <p:cNvSpPr>
+            <a:spLocks noGrp="1"/>
+          </p:cNvSpPr>
+          <p:nvPr>
+            <p:ph idx="1"/>
+          </p:nvPr>
+        </p:nvSpPr>
+        <p:spPr>
+          <a:xfrm>
+            <a:off x="2231136" y="1847209"/>
+            <a:ext cx="7729728" cy="4726586"/>
+          </a:xfrm>
+        </p:spPr>
+        <p:txBody>
+          <a:bodyPr>
+            <a:normAutofit fontScale="92500"/>
+          </a:bodyPr>
+          <a:lstStyle/>
+          <a:p>
+            <a:r>
+              <a:rPr lang="tr-TR" dirty="0" err="1"/>
+              <a:t>String</a:t>
+            </a:r>
+            <a:r>
+              <a:rPr lang="tr-TR" dirty="0"/>
+              <a:t> tipi değişkenler + operatörü kullanıldığında başka değişken tiplerini de ekstra </a:t>
+            </a:r>
+            <a:r>
+              <a:rPr lang="tr-TR" dirty="0" err="1"/>
+              <a:t>cast</a:t>
+            </a:r>
+            <a:r>
+              <a:rPr lang="tr-TR" dirty="0"/>
+              <a:t> işlemi yapmadan eklenebilir, eğer </a:t>
+            </a:r>
+            <a:r>
+              <a:rPr lang="tr-TR" dirty="0" err="1"/>
+              <a:t>null</a:t>
+            </a:r>
+            <a:r>
+              <a:rPr lang="tr-TR" dirty="0"/>
+              <a:t> bir değer eklenirse herhangi bir hata vermeden atama yapmaz, işlem devam eder. Aynı anda birden fazla </a:t>
+            </a:r>
+            <a:r>
+              <a:rPr lang="tr-TR" dirty="0" err="1"/>
+              <a:t>stringi</a:t>
+            </a:r>
+            <a:r>
+              <a:rPr lang="tr-TR" dirty="0"/>
+              <a:t> birleştirebilir. + operatörü ile birleştirme yapılırken yeniden bir </a:t>
+            </a:r>
+            <a:r>
+              <a:rPr lang="tr-TR" dirty="0" err="1"/>
+              <a:t>string</a:t>
+            </a:r>
+            <a:r>
+              <a:rPr lang="tr-TR" dirty="0"/>
+              <a:t> nesnesi yaratılıp toplanan </a:t>
+            </a:r>
+            <a:r>
+              <a:rPr lang="tr-TR" dirty="0" err="1"/>
+              <a:t>stringler</a:t>
+            </a:r>
+            <a:r>
+              <a:rPr lang="tr-TR" dirty="0"/>
+              <a:t> yeni </a:t>
+            </a:r>
+            <a:r>
+              <a:rPr lang="tr-TR" dirty="0" err="1"/>
+              <a:t>string</a:t>
+            </a:r>
+            <a:r>
+              <a:rPr lang="tr-TR" dirty="0"/>
+              <a:t> nesnesine atanır.</a:t>
+            </a:r>
+          </a:p>
+          <a:p>
+            <a:r>
+              <a:rPr lang="tr-TR" dirty="0" err="1"/>
+              <a:t>String</a:t>
+            </a:r>
+            <a:r>
+              <a:rPr lang="tr-TR" dirty="0"/>
+              <a:t> sınıfında bulunan </a:t>
+            </a:r>
+            <a:r>
+              <a:rPr lang="tr-TR" dirty="0" err="1"/>
+              <a:t>concat</a:t>
+            </a:r>
+            <a:r>
+              <a:rPr lang="tr-TR" dirty="0"/>
+              <a:t>() metodu aynı anda tek bir parametre alabilir. Başka değişken tiplerinden parametre alırsa ekstra olarak </a:t>
+            </a:r>
+            <a:r>
+              <a:rPr lang="tr-TR" dirty="0" err="1"/>
+              <a:t>cast</a:t>
+            </a:r>
+            <a:r>
+              <a:rPr lang="tr-TR" dirty="0"/>
+              <a:t> işlemi yapılması gerekmektedir aksi taktirde hata fırlatır. </a:t>
+            </a:r>
+            <a:r>
+              <a:rPr lang="tr-TR" dirty="0" err="1"/>
+              <a:t>Null</a:t>
+            </a:r>
+            <a:r>
+              <a:rPr lang="tr-TR" dirty="0"/>
+              <a:t> bir değer parametre olarak gönderilemez. Eğer iki </a:t>
+            </a:r>
+            <a:r>
+              <a:rPr lang="tr-TR" dirty="0" err="1"/>
+              <a:t>stringin</a:t>
+            </a:r>
+            <a:r>
+              <a:rPr lang="tr-TR" dirty="0"/>
+              <a:t> birleştirilmiş uzunluğu birleştirilen her iki </a:t>
+            </a:r>
+            <a:r>
+              <a:rPr lang="tr-TR" dirty="0" err="1"/>
+              <a:t>stringden</a:t>
+            </a:r>
+            <a:r>
+              <a:rPr lang="tr-TR" dirty="0"/>
+              <a:t> küçükse aynı nesneyi döndürür. Aksi taktirde yeni bir nesneyi geri döndürür.</a:t>
+            </a:r>
+          </a:p>
+          <a:p>
+            <a:r>
+              <a:rPr lang="tr-TR" dirty="0" err="1"/>
+              <a:t>StringBuffer</a:t>
+            </a:r>
+            <a:r>
+              <a:rPr lang="tr-TR" dirty="0"/>
+              <a:t> ve </a:t>
+            </a:r>
+            <a:r>
+              <a:rPr lang="tr-TR" dirty="0" err="1"/>
+              <a:t>StringBuilder</a:t>
+            </a:r>
+            <a:r>
+              <a:rPr lang="tr-TR" dirty="0"/>
+              <a:t> sınıfları </a:t>
+            </a:r>
+            <a:r>
+              <a:rPr lang="tr-TR" dirty="0" err="1"/>
+              <a:t>String</a:t>
+            </a:r>
+            <a:r>
+              <a:rPr lang="tr-TR" dirty="0"/>
+              <a:t> sınıfının </a:t>
+            </a:r>
+            <a:r>
+              <a:rPr lang="tr-TR" dirty="0" err="1"/>
+              <a:t>immutable</a:t>
+            </a:r>
+            <a:r>
+              <a:rPr lang="tr-TR" dirty="0"/>
+              <a:t> (değiştirilemez) olmasından dolayı hafıza kullanımını azaltmak için ortaya çıkmıştır.  Her iki sınıfta değiştirilebilir yani her seferinde </a:t>
+            </a:r>
+            <a:r>
+              <a:rPr lang="tr-TR" dirty="0" err="1"/>
+              <a:t>String</a:t>
+            </a:r>
+            <a:r>
+              <a:rPr lang="tr-TR" dirty="0"/>
+              <a:t> nesnesi gibi yeniden bir nesne yaratılmaz.</a:t>
+            </a:r>
+          </a:p>
+          <a:p>
+            <a:r>
+              <a:rPr lang="tr-TR" dirty="0" err="1"/>
+              <a:t>StringBuffer</a:t>
+            </a:r>
+            <a:r>
+              <a:rPr lang="tr-TR" dirty="0"/>
+              <a:t> ve </a:t>
+            </a:r>
+            <a:r>
+              <a:rPr lang="tr-TR" dirty="0" err="1"/>
+              <a:t>StringBuilder</a:t>
+            </a:r>
+            <a:r>
+              <a:rPr lang="tr-TR" dirty="0"/>
+              <a:t> sınıfları arasındaki fark ise </a:t>
+            </a:r>
+            <a:r>
+              <a:rPr lang="tr-TR" dirty="0" err="1"/>
+              <a:t>StringBuffer’ın</a:t>
+            </a:r>
+            <a:r>
+              <a:rPr lang="tr-TR" dirty="0"/>
+              <a:t> </a:t>
+            </a:r>
+            <a:r>
+              <a:rPr lang="tr-TR" dirty="0" err="1"/>
+              <a:t>thread-safe</a:t>
+            </a:r>
+            <a:r>
+              <a:rPr lang="tr-TR" dirty="0"/>
+              <a:t> yapıya sahip olmasıdır. </a:t>
+            </a:r>
+            <a:r>
+              <a:rPr lang="tr-TR" dirty="0" err="1"/>
+              <a:t>StringBuilder</a:t>
+            </a:r>
+            <a:r>
+              <a:rPr lang="tr-TR" dirty="0"/>
+              <a:t> sınıfı ise </a:t>
+            </a:r>
+            <a:r>
+              <a:rPr lang="tr-TR" dirty="0" err="1"/>
+              <a:t>thread-safe</a:t>
+            </a:r>
+            <a:r>
+              <a:rPr lang="tr-TR" dirty="0"/>
+              <a:t> değildir. Bundan dolayı </a:t>
+            </a:r>
+            <a:r>
+              <a:rPr lang="tr-TR" dirty="0" err="1"/>
+              <a:t>StringBuilder</a:t>
+            </a:r>
+            <a:r>
+              <a:rPr lang="tr-TR" dirty="0"/>
+              <a:t>, </a:t>
+            </a:r>
+            <a:r>
+              <a:rPr lang="tr-TR" dirty="0" err="1"/>
+              <a:t>StringBuffer’a</a:t>
+            </a:r>
+            <a:r>
+              <a:rPr lang="tr-TR" dirty="0"/>
+              <a:t> göre daha hızlı çalışmaktadır.</a:t>
+            </a:r>
+          </a:p>
+        </p:txBody>
+      </p:sp>
+    </p:spTree>
+    <p:extLst>
+      <p:ext uri="{BB962C8B-B14F-4D97-AF65-F5344CB8AC3E}">
+        <p14:creationId xmlns:p14="http://schemas.microsoft.com/office/powerpoint/2010/main" val="257986660"/>
+      </p:ext>
+    </p:extLst>
+  </p:cSld>
+  <p:clrMapOvr>
+    <a:masterClrMapping/>
+  </p:clrMapOvr>
+</p:sld>
+</file>
+
+<file path=ppt/slides/slide106.xml><?xml version="1.0" encoding="utf-8"?>
+<p:sld xmlns:a="http://schemas.openxmlformats.org/drawingml/2006/main" xmlns:r="http://schemas.openxmlformats.org/officeDocument/2006/relationships" xmlns:p="http://schemas.openxmlformats.org/presentationml/2006/main">
+  <p:cSld>
+    <p:spTree>
+      <p:nvGrpSpPr>
+        <p:cNvPr id="1" name=""/>
+        <p:cNvGrpSpPr/>
+        <p:nvPr/>
+      </p:nvGrpSpPr>
+      <p:grpSpPr>
+        <a:xfrm>
+          <a:off x="0" y="0"/>
+          <a:ext cx="0" cy="0"/>
+          <a:chOff x="0" y="0"/>
+          <a:chExt cx="0" cy="0"/>
+        </a:xfrm>
+      </p:grpSpPr>
+      <p:sp>
+        <p:nvSpPr>
+          <p:cNvPr id="2" name="Title 1">
+            <a:extLst>
+              <a:ext uri="{FF2B5EF4-FFF2-40B4-BE49-F238E27FC236}">
                 <a16:creationId xmlns:a16="http://schemas.microsoft.com/office/drawing/2014/main" id="{AFB5CEBE-A746-4EAD-8694-399B988F511D}"/>
               </a:ext>
             </a:extLst>
@@ -5222,6 +5362,642 @@
     <p:extLst>
       <p:ext uri="{BB962C8B-B14F-4D97-AF65-F5344CB8AC3E}">
         <p14:creationId xmlns:p14="http://schemas.microsoft.com/office/powerpoint/2010/main" val="2643596940"/>
+      </p:ext>
+    </p:extLst>
+  </p:cSld>
+  <p:clrMapOvr>
+    <a:masterClrMapping/>
+  </p:clrMapOvr>
+</p:sld>
+</file>
+
+<file path=ppt/slides/slide107.xml><?xml version="1.0" encoding="utf-8"?>
+<p:sld xmlns:a="http://schemas.openxmlformats.org/drawingml/2006/main" xmlns:r="http://schemas.openxmlformats.org/officeDocument/2006/relationships" xmlns:p="http://schemas.openxmlformats.org/presentationml/2006/main">
+  <p:cSld>
+    <p:spTree>
+      <p:nvGrpSpPr>
+        <p:cNvPr id="1" name=""/>
+        <p:cNvGrpSpPr/>
+        <p:nvPr/>
+      </p:nvGrpSpPr>
+      <p:grpSpPr>
+        <a:xfrm>
+          <a:off x="0" y="0"/>
+          <a:ext cx="0" cy="0"/>
+          <a:chOff x="0" y="0"/>
+          <a:chExt cx="0" cy="0"/>
+        </a:xfrm>
+      </p:grpSpPr>
+      <p:sp>
+        <p:nvSpPr>
+          <p:cNvPr id="2" name="Title 1">
+            <a:extLst>
+              <a:ext uri="{FF2B5EF4-FFF2-40B4-BE49-F238E27FC236}">
+                <a16:creationId xmlns:a16="http://schemas.microsoft.com/office/drawing/2014/main" id="{9AA87700-3ACD-4E0A-B395-C5BE221DA91C}"/>
+              </a:ext>
+            </a:extLst>
+          </p:cNvPr>
+          <p:cNvSpPr>
+            <a:spLocks noGrp="1"/>
+          </p:cNvSpPr>
+          <p:nvPr>
+            <p:ph type="title"/>
+          </p:nvPr>
+        </p:nvSpPr>
+        <p:spPr>
+          <a:xfrm>
+            <a:off x="2231136" y="322136"/>
+            <a:ext cx="7729728" cy="1188720"/>
+          </a:xfrm>
+        </p:spPr>
+        <p:txBody>
+          <a:bodyPr/>
+          <a:lstStyle/>
+          <a:p>
+            <a:r>
+              <a:rPr lang="tr-TR" dirty="0"/>
+              <a:t>Access </a:t>
+            </a:r>
+            <a:r>
+              <a:rPr lang="tr-TR" dirty="0" err="1"/>
+              <a:t>modıfıer</a:t>
+            </a:r>
+            <a:endParaRPr lang="tr-TR" dirty="0"/>
+          </a:p>
+        </p:txBody>
+      </p:sp>
+      <p:sp>
+        <p:nvSpPr>
+          <p:cNvPr id="3" name="Content Placeholder 2">
+            <a:extLst>
+              <a:ext uri="{FF2B5EF4-FFF2-40B4-BE49-F238E27FC236}">
+                <a16:creationId xmlns:a16="http://schemas.microsoft.com/office/drawing/2014/main" id="{A40DDD35-3CD9-4F1C-B5F2-69367B4473DC}"/>
+              </a:ext>
+            </a:extLst>
+          </p:cNvPr>
+          <p:cNvSpPr>
+            <a:spLocks noGrp="1"/>
+          </p:cNvSpPr>
+          <p:nvPr>
+            <p:ph idx="1"/>
+          </p:nvPr>
+        </p:nvSpPr>
+        <p:spPr>
+          <a:xfrm>
+            <a:off x="2231136" y="4335046"/>
+            <a:ext cx="7729728" cy="2370558"/>
+          </a:xfrm>
+        </p:spPr>
+        <p:txBody>
+          <a:bodyPr/>
+          <a:lstStyle/>
+          <a:p>
+            <a:r>
+              <a:rPr lang="tr-TR" dirty="0" err="1"/>
+              <a:t>Public</a:t>
+            </a:r>
+            <a:r>
+              <a:rPr lang="tr-TR" dirty="0"/>
+              <a:t> metotlar proje içerisinde her yerden ulaşılabilen metotlardır.</a:t>
+            </a:r>
+          </a:p>
+          <a:p>
+            <a:r>
+              <a:rPr lang="tr-TR" dirty="0" err="1"/>
+              <a:t>Protected</a:t>
+            </a:r>
+            <a:r>
+              <a:rPr lang="tr-TR" dirty="0"/>
+              <a:t> metotlar tanımlandığı sınıf ile aynı paket içerisinde bulunan sınıflar tarafından ulaşılabilir. </a:t>
+            </a:r>
+            <a:r>
+              <a:rPr lang="tr-TR" dirty="0" err="1"/>
+              <a:t>İmplement</a:t>
+            </a:r>
+            <a:r>
+              <a:rPr lang="tr-TR" dirty="0"/>
+              <a:t> edilen sınıftan ulaşılabilir.</a:t>
+            </a:r>
+          </a:p>
+          <a:p>
+            <a:r>
+              <a:rPr lang="tr-TR" dirty="0" err="1"/>
+              <a:t>Private</a:t>
+            </a:r>
+            <a:r>
+              <a:rPr lang="tr-TR" dirty="0"/>
+              <a:t> metotlar sadece tanımlandığı sınıfta kullanılabilir.</a:t>
+            </a:r>
+          </a:p>
+          <a:p>
+            <a:r>
+              <a:rPr lang="tr-TR" dirty="0" err="1"/>
+              <a:t>Default</a:t>
+            </a:r>
+            <a:r>
+              <a:rPr lang="tr-TR" dirty="0"/>
+              <a:t> metotlar ise </a:t>
+            </a:r>
+            <a:r>
+              <a:rPr lang="tr-TR" dirty="0" err="1"/>
+              <a:t>interface</a:t>
+            </a:r>
+            <a:r>
+              <a:rPr lang="tr-TR" dirty="0"/>
+              <a:t> içerisinde metot içeriğini doldurmak amacıyla kullanılır. </a:t>
+            </a:r>
+            <a:r>
+              <a:rPr lang="tr-TR" dirty="0" err="1"/>
+              <a:t>İmplement</a:t>
+            </a:r>
+            <a:r>
+              <a:rPr lang="tr-TR" dirty="0"/>
+              <a:t> edilen sınıftan ulaşılabilir.</a:t>
+            </a:r>
+          </a:p>
+        </p:txBody>
+      </p:sp>
+      <p:pic>
+        <p:nvPicPr>
+          <p:cNvPr id="1026" name="Picture 2" descr="Lightbox">
+            <a:extLst>
+              <a:ext uri="{FF2B5EF4-FFF2-40B4-BE49-F238E27FC236}">
+                <a16:creationId xmlns:a16="http://schemas.microsoft.com/office/drawing/2014/main" id="{D7F864ED-F194-4194-930B-29364E8FC76C}"/>
+              </a:ext>
+            </a:extLst>
+          </p:cNvPr>
+          <p:cNvPicPr>
+            <a:picLocks noChangeAspect="1" noChangeArrowheads="1"/>
+          </p:cNvPicPr>
+          <p:nvPr/>
+        </p:nvPicPr>
+        <p:blipFill>
+          <a:blip r:embed="rId2">
+            <a:extLst>
+              <a:ext uri="{28A0092B-C50C-407E-A947-70E740481C1C}">
+                <a14:useLocalDpi xmlns:a14="http://schemas.microsoft.com/office/drawing/2010/main" val="0"/>
+              </a:ext>
+            </a:extLst>
+          </a:blip>
+          <a:srcRect/>
+          <a:stretch>
+            <a:fillRect/>
+          </a:stretch>
+        </p:blipFill>
+        <p:spPr bwMode="auto">
+          <a:xfrm>
+            <a:off x="2671634" y="1744940"/>
+            <a:ext cx="6848732" cy="2339085"/>
+          </a:xfrm>
+          <a:prstGeom prst="rect">
+            <a:avLst/>
+          </a:prstGeom>
+          <a:noFill/>
+          <a:extLst>
+            <a:ext uri="{909E8E84-426E-40DD-AFC4-6F175D3DCCD1}">
+              <a14:hiddenFill xmlns:a14="http://schemas.microsoft.com/office/drawing/2010/main">
+                <a:solidFill>
+                  <a:srgbClr val="FFFFFF"/>
+                </a:solidFill>
+              </a14:hiddenFill>
+            </a:ext>
+          </a:extLst>
+        </p:spPr>
+      </p:pic>
+    </p:spTree>
+    <p:extLst>
+      <p:ext uri="{BB962C8B-B14F-4D97-AF65-F5344CB8AC3E}">
+        <p14:creationId xmlns:p14="http://schemas.microsoft.com/office/powerpoint/2010/main" val="802363329"/>
+      </p:ext>
+    </p:extLst>
+  </p:cSld>
+  <p:clrMapOvr>
+    <a:masterClrMapping/>
+  </p:clrMapOvr>
+</p:sld>
+</file>
+
+<file path=ppt/slides/slide108.xml><?xml version="1.0" encoding="utf-8"?>
+<p:sld xmlns:a="http://schemas.openxmlformats.org/drawingml/2006/main" xmlns:r="http://schemas.openxmlformats.org/officeDocument/2006/relationships" xmlns:p="http://schemas.openxmlformats.org/presentationml/2006/main">
+  <p:cSld>
+    <p:spTree>
+      <p:nvGrpSpPr>
+        <p:cNvPr id="1" name=""/>
+        <p:cNvGrpSpPr/>
+        <p:nvPr/>
+      </p:nvGrpSpPr>
+      <p:grpSpPr>
+        <a:xfrm>
+          <a:off x="0" y="0"/>
+          <a:ext cx="0" cy="0"/>
+          <a:chOff x="0" y="0"/>
+          <a:chExt cx="0" cy="0"/>
+        </a:xfrm>
+      </p:grpSpPr>
+      <p:sp>
+        <p:nvSpPr>
+          <p:cNvPr id="2" name="Title 1">
+            <a:extLst>
+              <a:ext uri="{FF2B5EF4-FFF2-40B4-BE49-F238E27FC236}">
+                <a16:creationId xmlns:a16="http://schemas.microsoft.com/office/drawing/2014/main" id="{C71AF5AB-3C9B-46D6-BA03-FA4BBD51F157}"/>
+              </a:ext>
+            </a:extLst>
+          </p:cNvPr>
+          <p:cNvSpPr>
+            <a:spLocks noGrp="1"/>
+          </p:cNvSpPr>
+          <p:nvPr>
+            <p:ph type="title"/>
+          </p:nvPr>
+        </p:nvSpPr>
+        <p:spPr/>
+        <p:txBody>
+          <a:bodyPr/>
+          <a:lstStyle/>
+          <a:p>
+            <a:r>
+              <a:rPr lang="tr-TR" dirty="0" err="1"/>
+              <a:t>Error</a:t>
+            </a:r>
+            <a:r>
+              <a:rPr lang="tr-TR" dirty="0"/>
+              <a:t> </a:t>
+            </a:r>
+            <a:r>
+              <a:rPr lang="tr-TR" dirty="0" err="1"/>
+              <a:t>types</a:t>
+            </a:r>
+            <a:endParaRPr lang="tr-TR" dirty="0"/>
+          </a:p>
+        </p:txBody>
+      </p:sp>
+      <p:sp>
+        <p:nvSpPr>
+          <p:cNvPr id="3" name="Content Placeholder 2">
+            <a:extLst>
+              <a:ext uri="{FF2B5EF4-FFF2-40B4-BE49-F238E27FC236}">
+                <a16:creationId xmlns:a16="http://schemas.microsoft.com/office/drawing/2014/main" id="{C4AFB601-43D0-484C-95E1-D8CEFCDD3F44}"/>
+              </a:ext>
+            </a:extLst>
+          </p:cNvPr>
+          <p:cNvSpPr>
+            <a:spLocks noGrp="1"/>
+          </p:cNvSpPr>
+          <p:nvPr>
+            <p:ph idx="1"/>
+          </p:nvPr>
+        </p:nvSpPr>
+        <p:spPr/>
+        <p:txBody>
+          <a:bodyPr/>
+          <a:lstStyle/>
+          <a:p>
+            <a:r>
+              <a:rPr lang="tr-TR" dirty="0" err="1"/>
+              <a:t>Syntax</a:t>
+            </a:r>
+            <a:r>
+              <a:rPr lang="tr-TR" dirty="0"/>
+              <a:t> </a:t>
+            </a:r>
+            <a:r>
+              <a:rPr lang="tr-TR" dirty="0" err="1"/>
+              <a:t>error</a:t>
+            </a:r>
+            <a:r>
+              <a:rPr lang="tr-TR" dirty="0"/>
+              <a:t>: Kodun içerisinde bulunan yazım hatalarından kaynaklı hatalardır. Bu durumda IDE hatalı yeri işaretleyerek uyaracaktır.</a:t>
+            </a:r>
+          </a:p>
+          <a:p>
+            <a:r>
+              <a:rPr lang="tr-TR" dirty="0" err="1"/>
+              <a:t>Logic</a:t>
+            </a:r>
+            <a:r>
+              <a:rPr lang="tr-TR" dirty="0"/>
+              <a:t> </a:t>
+            </a:r>
+            <a:r>
+              <a:rPr lang="tr-TR" dirty="0" err="1"/>
+              <a:t>error</a:t>
+            </a:r>
+            <a:r>
+              <a:rPr lang="tr-TR" dirty="0"/>
+              <a:t>: Kod içerisinde bulunan mantık hatalarından dolayı ortaya çıkar. IDE bu hataları derlemeden önce </a:t>
+            </a:r>
+            <a:r>
+              <a:rPr lang="tr-TR" dirty="0" err="1"/>
+              <a:t>farkedemeyebilir</a:t>
+            </a:r>
+            <a:r>
+              <a:rPr lang="tr-TR" dirty="0"/>
+              <a:t>.</a:t>
+            </a:r>
+          </a:p>
+          <a:p>
+            <a:r>
+              <a:rPr lang="tr-TR" dirty="0"/>
+              <a:t>Run time </a:t>
+            </a:r>
+            <a:r>
+              <a:rPr lang="tr-TR" dirty="0" err="1"/>
+              <a:t>error</a:t>
+            </a:r>
+            <a:r>
+              <a:rPr lang="tr-TR" dirty="0"/>
+              <a:t>: Programın çalışmasına engel olacak yazılım veya donanım sorunudur.</a:t>
+            </a:r>
+          </a:p>
+          <a:p>
+            <a:r>
+              <a:rPr lang="tr-TR" dirty="0" err="1"/>
+              <a:t>Compile</a:t>
+            </a:r>
+            <a:r>
+              <a:rPr lang="tr-TR" dirty="0"/>
+              <a:t> time </a:t>
+            </a:r>
+            <a:r>
+              <a:rPr lang="tr-TR" dirty="0" err="1"/>
+              <a:t>error</a:t>
+            </a:r>
+            <a:r>
+              <a:rPr lang="tr-TR" dirty="0"/>
+              <a:t>: Kod içerisindeki bir hata dolayısıyla kaynak kodunun derleyemez. Eksik noktalı virgül, eksik parantez, sınıf bulunamaması gibi durumlar derleme zamanında ortaya çıkacağı için </a:t>
+            </a:r>
+            <a:r>
+              <a:rPr lang="tr-TR" dirty="0" err="1"/>
+              <a:t>compile</a:t>
+            </a:r>
+            <a:r>
+              <a:rPr lang="tr-TR" dirty="0"/>
+              <a:t> time </a:t>
+            </a:r>
+            <a:r>
+              <a:rPr lang="tr-TR" dirty="0" err="1"/>
+              <a:t>errordur</a:t>
+            </a:r>
+            <a:r>
+              <a:rPr lang="tr-TR" dirty="0"/>
+              <a:t>.</a:t>
+            </a:r>
+          </a:p>
+        </p:txBody>
+      </p:sp>
+    </p:spTree>
+    <p:extLst>
+      <p:ext uri="{BB962C8B-B14F-4D97-AF65-F5344CB8AC3E}">
+        <p14:creationId xmlns:p14="http://schemas.microsoft.com/office/powerpoint/2010/main" val="549735544"/>
+      </p:ext>
+    </p:extLst>
+  </p:cSld>
+  <p:clrMapOvr>
+    <a:masterClrMapping/>
+  </p:clrMapOvr>
+</p:sld>
+</file>
+
+<file path=ppt/slides/slide109.xml><?xml version="1.0" encoding="utf-8"?>
+<p:sld xmlns:a="http://schemas.openxmlformats.org/drawingml/2006/main" xmlns:r="http://schemas.openxmlformats.org/officeDocument/2006/relationships" xmlns:p="http://schemas.openxmlformats.org/presentationml/2006/main">
+  <p:cSld>
+    <p:spTree>
+      <p:nvGrpSpPr>
+        <p:cNvPr id="1" name=""/>
+        <p:cNvGrpSpPr/>
+        <p:nvPr/>
+      </p:nvGrpSpPr>
+      <p:grpSpPr>
+        <a:xfrm>
+          <a:off x="0" y="0"/>
+          <a:ext cx="0" cy="0"/>
+          <a:chOff x="0" y="0"/>
+          <a:chExt cx="0" cy="0"/>
+        </a:xfrm>
+      </p:grpSpPr>
+      <p:sp>
+        <p:nvSpPr>
+          <p:cNvPr id="2" name="Title 1">
+            <a:extLst>
+              <a:ext uri="{FF2B5EF4-FFF2-40B4-BE49-F238E27FC236}">
+                <a16:creationId xmlns:a16="http://schemas.microsoft.com/office/drawing/2014/main" id="{79785FDE-02B9-47AF-B2AD-E905C4561632}"/>
+              </a:ext>
+            </a:extLst>
+          </p:cNvPr>
+          <p:cNvSpPr>
+            <a:spLocks noGrp="1"/>
+          </p:cNvSpPr>
+          <p:nvPr>
+            <p:ph type="title"/>
+          </p:nvPr>
+        </p:nvSpPr>
+        <p:spPr/>
+        <p:txBody>
+          <a:bodyPr/>
+          <a:lstStyle/>
+          <a:p>
+            <a:r>
+              <a:rPr lang="tr-TR" dirty="0" err="1"/>
+              <a:t>Error</a:t>
+            </a:r>
+            <a:r>
+              <a:rPr lang="tr-TR" dirty="0"/>
+              <a:t> </a:t>
+            </a:r>
+            <a:r>
+              <a:rPr lang="tr-TR" dirty="0" err="1"/>
+              <a:t>exceptıon</a:t>
+            </a:r>
+            <a:r>
+              <a:rPr lang="tr-TR" dirty="0"/>
+              <a:t> farkı</a:t>
+            </a:r>
+          </a:p>
+        </p:txBody>
+      </p:sp>
+      <p:sp>
+        <p:nvSpPr>
+          <p:cNvPr id="3" name="Content Placeholder 2">
+            <a:extLst>
+              <a:ext uri="{FF2B5EF4-FFF2-40B4-BE49-F238E27FC236}">
+                <a16:creationId xmlns:a16="http://schemas.microsoft.com/office/drawing/2014/main" id="{5F730FD1-8BF0-4B80-A1A4-8317C6502DAC}"/>
+              </a:ext>
+            </a:extLst>
+          </p:cNvPr>
+          <p:cNvSpPr>
+            <a:spLocks noGrp="1"/>
+          </p:cNvSpPr>
+          <p:nvPr>
+            <p:ph idx="1"/>
+          </p:nvPr>
+        </p:nvSpPr>
+        <p:spPr>
+          <a:xfrm>
+            <a:off x="2231136" y="2638044"/>
+            <a:ext cx="7729728" cy="3960464"/>
+          </a:xfrm>
+        </p:spPr>
+        <p:txBody>
+          <a:bodyPr>
+            <a:normAutofit/>
+          </a:bodyPr>
+          <a:lstStyle/>
+          <a:p>
+            <a:r>
+              <a:rPr lang="tr-TR" dirty="0"/>
+              <a:t>Bir </a:t>
+            </a:r>
+            <a:r>
+              <a:rPr lang="tr-TR" dirty="0" err="1"/>
+              <a:t>error</a:t>
+            </a:r>
+            <a:r>
+              <a:rPr lang="tr-TR" dirty="0"/>
+              <a:t> asla kurtarılamazken, </a:t>
+            </a:r>
+            <a:r>
+              <a:rPr lang="tr-TR" dirty="0" err="1"/>
+              <a:t>exception</a:t>
+            </a:r>
+            <a:r>
+              <a:rPr lang="tr-TR" dirty="0"/>
+              <a:t> fırlatıldığında yakalanarak programın çalışmasına devam edilebilir.</a:t>
+            </a:r>
+          </a:p>
+          <a:p>
+            <a:r>
+              <a:rPr lang="tr-TR" dirty="0"/>
+              <a:t>Bir </a:t>
+            </a:r>
+            <a:r>
+              <a:rPr lang="tr-TR" dirty="0" err="1"/>
+              <a:t>error</a:t>
+            </a:r>
+            <a:r>
+              <a:rPr lang="tr-TR" dirty="0"/>
+              <a:t> ortaya çıktığında kod çalışması durdurulur, ancak bir </a:t>
+            </a:r>
+            <a:r>
+              <a:rPr lang="tr-TR" dirty="0" err="1"/>
+              <a:t>exception</a:t>
+            </a:r>
+            <a:r>
+              <a:rPr lang="tr-TR" dirty="0"/>
+              <a:t> fırlatan kod bir </a:t>
+            </a:r>
+            <a:r>
+              <a:rPr lang="tr-TR" dirty="0" err="1"/>
+              <a:t>try</a:t>
+            </a:r>
+            <a:r>
+              <a:rPr lang="tr-TR" dirty="0"/>
+              <a:t> ve </a:t>
+            </a:r>
+            <a:r>
+              <a:rPr lang="tr-TR" dirty="0" err="1"/>
+              <a:t>catch</a:t>
+            </a:r>
+            <a:r>
+              <a:rPr lang="tr-TR" dirty="0"/>
+              <a:t> bloğunun içine yazılmışsa, kod tarafından </a:t>
+            </a:r>
+            <a:r>
+              <a:rPr lang="tr-TR" dirty="0" err="1"/>
+              <a:t>exception</a:t>
+            </a:r>
+            <a:r>
+              <a:rPr lang="tr-TR" dirty="0"/>
+              <a:t> yakalanır.</a:t>
+            </a:r>
+          </a:p>
+          <a:p>
+            <a:r>
+              <a:rPr lang="tr-TR" dirty="0" err="1"/>
+              <a:t>Errorlar</a:t>
+            </a:r>
+            <a:r>
+              <a:rPr lang="tr-TR" dirty="0"/>
+              <a:t> kontrolsüz tiptedir, yani </a:t>
+            </a:r>
+            <a:r>
+              <a:rPr lang="tr-TR" dirty="0" err="1"/>
+              <a:t>exception</a:t>
+            </a:r>
+            <a:r>
+              <a:rPr lang="tr-TR" dirty="0"/>
+              <a:t> derleyicilerin bilgisinde değildir, oysa bir </a:t>
+            </a:r>
+            <a:r>
+              <a:rPr lang="tr-TR" dirty="0" err="1"/>
+              <a:t>exception</a:t>
+            </a:r>
+            <a:r>
+              <a:rPr lang="tr-TR" dirty="0"/>
+              <a:t> </a:t>
+            </a:r>
+            <a:r>
+              <a:rPr lang="tr-TR" dirty="0" err="1"/>
+              <a:t>checked</a:t>
+            </a:r>
+            <a:r>
+              <a:rPr lang="tr-TR" dirty="0"/>
+              <a:t> ve </a:t>
+            </a:r>
+            <a:r>
+              <a:rPr lang="tr-TR" dirty="0" err="1"/>
+              <a:t>unchecked</a:t>
+            </a:r>
+            <a:r>
+              <a:rPr lang="tr-TR" dirty="0"/>
+              <a:t> olarak sınıflandırılır.</a:t>
+            </a:r>
+          </a:p>
+          <a:p>
+            <a:r>
+              <a:rPr lang="tr-TR" dirty="0"/>
+              <a:t>Hatalar </a:t>
+            </a:r>
+            <a:r>
+              <a:rPr lang="tr-TR" dirty="0" err="1"/>
+              <a:t>Java.lang.Error</a:t>
+            </a:r>
+            <a:r>
+              <a:rPr lang="tr-TR" dirty="0"/>
+              <a:t> paketinde tanımlanırken, bir istisna olarak </a:t>
+            </a:r>
+            <a:r>
+              <a:rPr lang="tr-TR" dirty="0" err="1"/>
+              <a:t>java.lang.Exception</a:t>
+            </a:r>
+            <a:r>
+              <a:rPr lang="tr-TR" dirty="0"/>
+              <a:t> tanımlanmıştır.</a:t>
+            </a:r>
+          </a:p>
+          <a:p>
+            <a:r>
+              <a:rPr lang="tr-TR" dirty="0" err="1"/>
+              <a:t>Exceptionlar</a:t>
+            </a:r>
+            <a:r>
+              <a:rPr lang="tr-TR" dirty="0"/>
+              <a:t>, programın kodlanmasında yapılan hataların sonuçlarıdır. </a:t>
+            </a:r>
+            <a:r>
+              <a:rPr lang="tr-TR" dirty="0" err="1"/>
+              <a:t>Error</a:t>
+            </a:r>
+            <a:r>
+              <a:rPr lang="tr-TR" dirty="0"/>
+              <a:t> ise sistemin yanlış işleyişinin sonucudur.</a:t>
+            </a:r>
+          </a:p>
+        </p:txBody>
+      </p:sp>
+    </p:spTree>
+    <p:extLst>
+      <p:ext uri="{BB962C8B-B14F-4D97-AF65-F5344CB8AC3E}">
+        <p14:creationId xmlns:p14="http://schemas.microsoft.com/office/powerpoint/2010/main" val="3268175663"/>
       </p:ext>
     </p:extLst>
   </p:cSld>
@@ -13518,7 +14294,7 @@
           <a:p>
             <a:r>
               <a:rPr lang="tr-TR" dirty="0" err="1"/>
-              <a:t>Compıle</a:t>
+              <a:t>Compıler</a:t>
             </a:r>
             <a:r>
               <a:rPr lang="tr-TR" dirty="0"/>
@@ -13557,12 +14333,8 @@
               <a:buNone/>
             </a:pPr>
             <a:r>
-              <a:rPr lang="tr-TR" dirty="0" err="1"/>
-              <a:t>Compile</a:t>
-            </a:r>
-            <a:r>
-              <a:rPr lang="tr-TR" dirty="0"/>
-              <a:t> hatası, </a:t>
+              <a:rPr lang="tr-TR" dirty="0"/>
+              <a:t>Compiler hatası, </a:t>
             </a:r>
             <a:r>
               <a:rPr lang="tr-TR" dirty="0" err="1"/>
@@ -19697,7 +20469,7 @@
         </p:spPr>
         <p:txBody>
           <a:bodyPr>
-            <a:normAutofit/>
+            <a:normAutofit fontScale="92500"/>
           </a:bodyPr>
           <a:lstStyle/>
           <a:p>
@@ -19914,6 +20686,40 @@
             <a:r>
               <a:rPr lang="tr-TR" dirty="0"/>
               <a:t> kullanılabilir.</a:t>
+            </a:r>
+          </a:p>
+          <a:p>
+            <a:r>
+              <a:rPr lang="tr-TR" dirty="0" err="1"/>
+              <a:t>Stackteki</a:t>
+            </a:r>
+            <a:r>
+              <a:rPr lang="tr-TR" dirty="0"/>
+              <a:t> veri hemen silinirken, </a:t>
+            </a:r>
+            <a:r>
+              <a:rPr lang="tr-TR" dirty="0" err="1"/>
+              <a:t>heapteki</a:t>
+            </a:r>
+            <a:r>
+              <a:rPr lang="tr-TR" dirty="0"/>
+              <a:t> veri </a:t>
+            </a:r>
+            <a:r>
+              <a:rPr lang="tr-TR" dirty="0" err="1"/>
+              <a:t>garbage</a:t>
+            </a:r>
+            <a:r>
+              <a:rPr lang="tr-TR" dirty="0"/>
+              <a:t> </a:t>
+            </a:r>
+            <a:r>
+              <a:rPr lang="tr-TR" dirty="0" err="1"/>
+              <a:t>collector</a:t>
+            </a:r>
+            <a:r>
+              <a:rPr lang="tr-TR" dirty="0"/>
+              <a:t> algoritmasına bağlıdır.</a:t>
             </a:r>
           </a:p>
         </p:txBody>
@@ -19950,10 +20756,10 @@
       </p:grpSpPr>
       <p:sp>
         <p:nvSpPr>
-          <p:cNvPr id="2" name="Başlık 1">
-            <a:extLst>
-              <a:ext uri="{FF2B5EF4-FFF2-40B4-BE49-F238E27FC236}">
-                <a16:creationId xmlns:a16="http://schemas.microsoft.com/office/drawing/2014/main" id="{1A531E97-B51B-EEA9-7F8E-924C42EFC421}"/>
+          <p:cNvPr id="2" name="Title 1">
+            <a:extLst>
+              <a:ext uri="{FF2B5EF4-FFF2-40B4-BE49-F238E27FC236}">
+                <a16:creationId xmlns:a16="http://schemas.microsoft.com/office/drawing/2014/main" id="{DE05232B-AD61-4837-84BF-0FC2EA5B0809}"/>
               </a:ext>
             </a:extLst>
           </p:cNvPr>
@@ -19970,47 +20776,16 @@
           <a:lstStyle/>
           <a:p>
             <a:r>
-              <a:rPr lang="tr-TR" dirty="0"/>
-              <a:t>ASCII</a:t>
-            </a:r>
-          </a:p>
-        </p:txBody>
-      </p:sp>
-      <p:sp>
-        <p:nvSpPr>
-          <p:cNvPr id="3" name="İçerik Yer Tutucusu 2">
-            <a:extLst>
-              <a:ext uri="{FF2B5EF4-FFF2-40B4-BE49-F238E27FC236}">
-                <a16:creationId xmlns:a16="http://schemas.microsoft.com/office/drawing/2014/main" id="{A7BAE89F-1ABC-E006-CF6C-DB515A927232}"/>
-              </a:ext>
-            </a:extLst>
-          </p:cNvPr>
-          <p:cNvSpPr>
-            <a:spLocks noGrp="1"/>
-          </p:cNvSpPr>
-          <p:nvPr>
-            <p:ph idx="1"/>
-          </p:nvPr>
-        </p:nvSpPr>
-        <p:spPr/>
-        <p:txBody>
-          <a:bodyPr/>
-          <a:lstStyle/>
-          <a:p>
-            <a:pPr marL="0" indent="0">
-              <a:buNone/>
-            </a:pPr>
-            <a:r>
-              <a:rPr lang="tr-TR" dirty="0" err="1"/>
-              <a:t>American</a:t>
-            </a:r>
-            <a:r>
-              <a:rPr lang="tr-TR" dirty="0"/>
-              <a:t> Standart </a:t>
-            </a:r>
-            <a:r>
-              <a:rPr lang="tr-TR" dirty="0" err="1"/>
-              <a:t>Code</a:t>
+              <a:rPr lang="tr-TR" dirty="0" err="1"/>
+              <a:t>Heap</a:t>
+            </a:r>
+            <a:r>
+              <a:rPr lang="tr-TR" dirty="0"/>
+              <a:t> – </a:t>
+            </a:r>
+            <a:r>
+              <a:rPr lang="tr-TR" dirty="0" err="1"/>
+              <a:t>stack</a:t>
             </a:r>
             <a:r>
               <a:rPr lang="tr-TR" dirty="0"/>
@@ -20018,27 +20793,63 @@
             </a:r>
             <a:r>
               <a:rPr lang="tr-TR" dirty="0" err="1"/>
-              <a:t>for</a:t>
-            </a:r>
-            <a:r>
-              <a:rPr lang="tr-TR" dirty="0"/>
-              <a:t> Information </a:t>
-            </a:r>
-            <a:r>
-              <a:rPr lang="tr-TR" dirty="0" err="1"/>
-              <a:t>Interchange</a:t>
-            </a:r>
-            <a:r>
-              <a:rPr lang="tr-TR" dirty="0"/>
-              <a:t> (ASCII), Amerikan İngilizcesi karakterleri için yapılmış 7 bitlik bir karakter kümesidir.  Her bir karakter için 0-127 arası bir değer atanarak harflerin bir değere karşılık gelmesi sağlanıyordu.  ASCII karakter kümesi bir süre kullanıldıktan sonra Avrupa ülkelerindeki Amerikan İngilizcesi dışındaki harfler olduğundan dolayı ASCII kümesi yetersiz gelmekteydi. Bunun için 7 bitlik karakter kümeleri 8 bitlik yapılmıştır. Buna genişletilmiş ASCII denir. Bu şekilde diğer ülkelerin de ASCII karakter kümeleri yapıldı. </a:t>
-            </a:r>
-          </a:p>
-        </p:txBody>
-      </p:sp>
+              <a:t>memory</a:t>
+            </a:r>
+            <a:endParaRPr lang="tr-TR" dirty="0"/>
+          </a:p>
+        </p:txBody>
+      </p:sp>
+      <p:pic>
+        <p:nvPicPr>
+          <p:cNvPr id="2050" name="Picture 2" descr="Java stack and heap memory management - Stack Overflow">
+            <a:extLst>
+              <a:ext uri="{FF2B5EF4-FFF2-40B4-BE49-F238E27FC236}">
+                <a16:creationId xmlns:a16="http://schemas.microsoft.com/office/drawing/2014/main" id="{AA044E57-763B-4A3D-96F2-501745DFBB08}"/>
+              </a:ext>
+            </a:extLst>
+          </p:cNvPr>
+          <p:cNvPicPr>
+            <a:picLocks noChangeAspect="1" noChangeArrowheads="1"/>
+          </p:cNvPicPr>
+          <p:nvPr/>
+        </p:nvPicPr>
+        <p:blipFill>
+          <a:blip r:embed="rId2">
+            <a:extLst>
+              <a:ext uri="{28A0092B-C50C-407E-A947-70E740481C1C}">
+                <a14:useLocalDpi xmlns:a14="http://schemas.microsoft.com/office/drawing/2010/main" val="0"/>
+              </a:ext>
+            </a:extLst>
+          </a:blip>
+          <a:srcRect/>
+          <a:stretch>
+            <a:fillRect/>
+          </a:stretch>
+        </p:blipFill>
+        <p:spPr bwMode="auto">
+          <a:xfrm>
+            <a:off x="3507066" y="2484619"/>
+            <a:ext cx="5177868" cy="3791970"/>
+          </a:xfrm>
+          <a:prstGeom prst="rect">
+            <a:avLst/>
+          </a:prstGeom>
+          <a:noFill/>
+          <a:extLst>
+            <a:ext uri="{909E8E84-426E-40DD-AFC4-6F175D3DCCD1}">
+              <a14:hiddenFill xmlns:a14="http://schemas.microsoft.com/office/drawing/2010/main">
+                <a:solidFill>
+                  <a:srgbClr val="FFFFFF"/>
+                </a:solidFill>
+              </a14:hiddenFill>
+            </a:ext>
+          </a:extLst>
+        </p:spPr>
+      </p:pic>
     </p:spTree>
     <p:extLst>
       <p:ext uri="{BB962C8B-B14F-4D97-AF65-F5344CB8AC3E}">
-        <p14:creationId xmlns:p14="http://schemas.microsoft.com/office/powerpoint/2010/main" val="3265621566"/>
+        <p14:creationId xmlns:p14="http://schemas.microsoft.com/office/powerpoint/2010/main" val="2189121592"/>
       </p:ext>
     </p:extLst>
   </p:cSld>
